--- a/doc/Securnio & Securino Gatway.pptx
+++ b/doc/Securnio & Securino Gatway.pptx
@@ -5,26 +5,29 @@
     <p:sldMasterId id="2147483648" r:id="rId2"/>
   </p:sldMasterIdLst>
   <p:handoutMasterIdLst>
-    <p:handoutMasterId r:id="rId20"/>
+    <p:handoutMasterId r:id="rId23"/>
   </p:handoutMasterIdLst>
   <p:sldIdLst>
     <p:sldId id="256" r:id="rId3"/>
     <p:sldId id="261" r:id="rId4"/>
     <p:sldId id="258" r:id="rId5"/>
-    <p:sldId id="257" r:id="rId6"/>
-    <p:sldId id="271" r:id="rId7"/>
-    <p:sldId id="269" r:id="rId8"/>
-    <p:sldId id="270" r:id="rId9"/>
-    <p:sldId id="268" r:id="rId10"/>
-    <p:sldId id="267" r:id="rId11"/>
-    <p:sldId id="259" r:id="rId12"/>
-    <p:sldId id="272" r:id="rId13"/>
-    <p:sldId id="273" r:id="rId14"/>
-    <p:sldId id="274" r:id="rId15"/>
-    <p:sldId id="275" r:id="rId16"/>
-    <p:sldId id="276" r:id="rId17"/>
-    <p:sldId id="277" r:id="rId18"/>
-    <p:sldId id="266" r:id="rId19"/>
+    <p:sldId id="279" r:id="rId6"/>
+    <p:sldId id="280" r:id="rId7"/>
+    <p:sldId id="271" r:id="rId8"/>
+    <p:sldId id="269" r:id="rId9"/>
+    <p:sldId id="270" r:id="rId10"/>
+    <p:sldId id="281" r:id="rId11"/>
+    <p:sldId id="268" r:id="rId12"/>
+    <p:sldId id="267" r:id="rId13"/>
+    <p:sldId id="259" r:id="rId14"/>
+    <p:sldId id="272" r:id="rId15"/>
+    <p:sldId id="273" r:id="rId16"/>
+    <p:sldId id="274" r:id="rId17"/>
+    <p:sldId id="282" r:id="rId18"/>
+    <p:sldId id="275" r:id="rId19"/>
+    <p:sldId id="277" r:id="rId20"/>
+    <p:sldId id="283" r:id="rId21"/>
+    <p:sldId id="266" r:id="rId22"/>
   </p:sldIdLst>
   <p:sldSz cx="9144000" cy="5143500" type="screen16x9"/>
   <p:notesSz cx="6858000" cy="9144000"/>
@@ -223,7 +226,7 @@
           </a:lstStyle>
           <a:p>
             <a:fld id="{4B230A23-3E98-F64D-859B-DE462771A158}" type="datetimeFigureOut">
-              <a:t>5/21/2018</a:t>
+              <a:t>31/05/2018</a:t>
             </a:fld>
             <a:endParaRPr lang="fr-FR"/>
           </a:p>
@@ -536,7 +539,7 @@
             <a:fld id="{5BBF241E-D95D-F947-BD40-BA0B1092A59D}" type="datetimeFigureOut">
               <a:rPr lang="fr-FR" smtClean="0"/>
               <a:pPr/>
-              <a:t>21/05/2018</a:t>
+              <a:t>31/05/2018</a:t>
             </a:fld>
             <a:endParaRPr lang="fr-FR"/>
           </a:p>
@@ -808,7 +811,7 @@
             <a:fld id="{5BBF241E-D95D-F947-BD40-BA0B1092A59D}" type="datetimeFigureOut">
               <a:rPr lang="fr-FR" smtClean="0"/>
               <a:pPr/>
-              <a:t>21/05/2018</a:t>
+              <a:t>31/05/2018</a:t>
             </a:fld>
             <a:endParaRPr lang="fr-FR"/>
           </a:p>
@@ -1081,7 +1084,7 @@
             <a:fld id="{5BBF241E-D95D-F947-BD40-BA0B1092A59D}" type="datetimeFigureOut">
               <a:rPr lang="fr-FR" smtClean="0"/>
               <a:pPr/>
-              <a:t>21/05/2018</a:t>
+              <a:t>31/05/2018</a:t>
             </a:fld>
             <a:endParaRPr lang="fr-FR"/>
           </a:p>
@@ -1311,7 +1314,7 @@
             <a:fld id="{5BBF241E-D95D-F947-BD40-BA0B1092A59D}" type="datetimeFigureOut">
               <a:rPr lang="fr-FR" smtClean="0"/>
               <a:pPr/>
-              <a:t>21/05/2018</a:t>
+              <a:t>31/05/2018</a:t>
             </a:fld>
             <a:endParaRPr lang="fr-FR"/>
           </a:p>
@@ -1686,7 +1689,7 @@
             <a:fld id="{5BBF241E-D95D-F947-BD40-BA0B1092A59D}" type="datetimeFigureOut">
               <a:rPr lang="fr-FR" smtClean="0"/>
               <a:pPr/>
-              <a:t>21/05/2018</a:t>
+              <a:t>31/05/2018</a:t>
             </a:fld>
             <a:endParaRPr lang="fr-FR"/>
           </a:p>
@@ -2030,7 +2033,7 @@
             <a:fld id="{5BBF241E-D95D-F947-BD40-BA0B1092A59D}" type="datetimeFigureOut">
               <a:rPr lang="fr-FR" smtClean="0"/>
               <a:pPr/>
-              <a:t>21/05/2018</a:t>
+              <a:t>31/05/2018</a:t>
             </a:fld>
             <a:endParaRPr lang="fr-FR"/>
           </a:p>
@@ -2549,7 +2552,7 @@
             <a:fld id="{5BBF241E-D95D-F947-BD40-BA0B1092A59D}" type="datetimeFigureOut">
               <a:rPr lang="fr-FR" smtClean="0"/>
               <a:pPr/>
-              <a:t>21/05/2018</a:t>
+              <a:t>31/05/2018</a:t>
             </a:fld>
             <a:endParaRPr lang="fr-FR"/>
           </a:p>
@@ -2824,7 +2827,7 @@
             <a:fld id="{5BBF241E-D95D-F947-BD40-BA0B1092A59D}" type="datetimeFigureOut">
               <a:rPr lang="fr-FR" smtClean="0"/>
               <a:pPr/>
-              <a:t>21/05/2018</a:t>
+              <a:t>31/05/2018</a:t>
             </a:fld>
             <a:endParaRPr lang="fr-FR"/>
           </a:p>
@@ -3065,7 +3068,7 @@
             <a:fld id="{5BBF241E-D95D-F947-BD40-BA0B1092A59D}" type="datetimeFigureOut">
               <a:rPr lang="fr-FR" smtClean="0"/>
               <a:pPr/>
-              <a:t>21/05/2018</a:t>
+              <a:t>31/05/2018</a:t>
             </a:fld>
             <a:endParaRPr lang="fr-FR"/>
           </a:p>
@@ -3247,7 +3250,7 @@
             <a:fld id="{5BBF241E-D95D-F947-BD40-BA0B1092A59D}" type="datetimeFigureOut">
               <a:rPr lang="fr-FR" smtClean="0"/>
               <a:pPr/>
-              <a:t>21/05/2018</a:t>
+              <a:t>31/05/2018</a:t>
             </a:fld>
             <a:endParaRPr lang="fr-FR"/>
           </a:p>
@@ -3594,7 +3597,7 @@
             <a:fld id="{5BBF241E-D95D-F947-BD40-BA0B1092A59D}" type="datetimeFigureOut">
               <a:rPr lang="fr-FR" smtClean="0"/>
               <a:pPr/>
-              <a:t>21/05/2018</a:t>
+              <a:t>31/05/2018</a:t>
             </a:fld>
             <a:endParaRPr lang="fr-FR"/>
           </a:p>
@@ -3994,15 +3997,7 @@
             </a:r>
             <a:r>
               <a:rPr lang="fr-FR" dirty="0"/>
-              <a:t> &amp; </a:t>
-            </a:r>
-            <a:r>
-              <a:rPr lang="fr-FR" dirty="0" err="1"/>
-              <a:t>Securino</a:t>
-            </a:r>
-            <a:r>
-              <a:rPr lang="fr-FR" dirty="0"/>
-              <a:t> Gateway</a:t>
+              <a:t> Project</a:t>
             </a:r>
           </a:p>
         </p:txBody>
@@ -4240,13 +4235,13 @@
   <p:clrMapOvr>
     <a:masterClrMapping/>
   </p:clrMapOvr>
-  <mc:AlternateContent xmlns:mc="http://schemas.openxmlformats.org/markup-compatibility/2006">
-    <mc:Choice xmlns:p14="http://schemas.microsoft.com/office/powerpoint/2010/main" Requires="p14">
+  <mc:AlternateContent xmlns:mc="http://schemas.openxmlformats.org/markup-compatibility/2006" xmlns:p14="http://schemas.microsoft.com/office/powerpoint/2010/main">
+    <mc:Choice Requires="p14">
       <p:transition spd="med" p14:dur="700">
         <p:fade/>
       </p:transition>
     </mc:Choice>
-    <mc:Fallback>
+    <mc:Fallback xmlns="">
       <p:transition spd="med">
         <p:fade/>
       </p:transition>
@@ -4256,6 +4251,208 @@
 </file>
 
 <file path=ppt/slides/slide10.xml><?xml version="1.0" encoding="utf-8"?>
+<p:sld xmlns:a="http://schemas.openxmlformats.org/drawingml/2006/main" xmlns:r="http://schemas.openxmlformats.org/officeDocument/2006/relationships" xmlns:p="http://schemas.openxmlformats.org/presentationml/2006/main">
+  <p:cSld>
+    <p:spTree>
+      <p:nvGrpSpPr>
+        <p:cNvPr id="1" name=""/>
+        <p:cNvGrpSpPr/>
+        <p:nvPr/>
+      </p:nvGrpSpPr>
+      <p:grpSpPr>
+        <a:xfrm>
+          <a:off x="0" y="0"/>
+          <a:ext cx="0" cy="0"/>
+          <a:chOff x="0" y="0"/>
+          <a:chExt cx="0" cy="0"/>
+        </a:xfrm>
+      </p:grpSpPr>
+      <p:sp>
+        <p:nvSpPr>
+          <p:cNvPr id="2" name="Titre 1"/>
+          <p:cNvSpPr>
+            <a:spLocks noGrp="1"/>
+          </p:cNvSpPr>
+          <p:nvPr>
+            <p:ph type="title"/>
+          </p:nvPr>
+        </p:nvSpPr>
+        <p:spPr>
+          <a:xfrm>
+            <a:off x="3787103" y="1051264"/>
+            <a:ext cx="4280049" cy="1291587"/>
+          </a:xfrm>
+        </p:spPr>
+        <p:txBody>
+          <a:bodyPr/>
+          <a:lstStyle/>
+          <a:p>
+            <a:r>
+              <a:rPr lang="fr-FR" dirty="0"/>
+              <a:t>Documentation technique</a:t>
+            </a:r>
+          </a:p>
+        </p:txBody>
+      </p:sp>
+    </p:spTree>
+    <p:extLst>
+      <p:ext uri="{BB962C8B-B14F-4D97-AF65-F5344CB8AC3E}">
+        <p14:creationId xmlns:p14="http://schemas.microsoft.com/office/powerpoint/2010/main" val="1232039135"/>
+      </p:ext>
+    </p:extLst>
+  </p:cSld>
+  <p:clrMapOvr>
+    <a:masterClrMapping/>
+  </p:clrMapOvr>
+  <mc:AlternateContent xmlns:mc="http://schemas.openxmlformats.org/markup-compatibility/2006" xmlns:p14="http://schemas.microsoft.com/office/powerpoint/2010/main">
+    <mc:Choice Requires="p14">
+      <p:transition spd="med" p14:dur="700">
+        <p:fade/>
+      </p:transition>
+    </mc:Choice>
+    <mc:Fallback xmlns="">
+      <p:transition spd="med">
+        <p:fade/>
+      </p:transition>
+    </mc:Fallback>
+  </mc:AlternateContent>
+</p:sld>
+</file>
+
+<file path=ppt/slides/slide11.xml><?xml version="1.0" encoding="utf-8"?>
+<p:sld xmlns:a="http://schemas.openxmlformats.org/drawingml/2006/main" xmlns:r="http://schemas.openxmlformats.org/officeDocument/2006/relationships" xmlns:p="http://schemas.openxmlformats.org/presentationml/2006/main">
+  <p:cSld>
+    <p:spTree>
+      <p:nvGrpSpPr>
+        <p:cNvPr id="1" name=""/>
+        <p:cNvGrpSpPr/>
+        <p:nvPr/>
+      </p:nvGrpSpPr>
+      <p:grpSpPr>
+        <a:xfrm>
+          <a:off x="0" y="0"/>
+          <a:ext cx="0" cy="0"/>
+          <a:chOff x="0" y="0"/>
+          <a:chExt cx="0" cy="0"/>
+        </a:xfrm>
+      </p:grpSpPr>
+      <p:sp>
+        <p:nvSpPr>
+          <p:cNvPr id="5" name="Espace réservé du texte 4"/>
+          <p:cNvSpPr>
+            <a:spLocks noGrp="1"/>
+          </p:cNvSpPr>
+          <p:nvPr>
+            <p:ph type="body" sz="quarter" idx="13"/>
+          </p:nvPr>
+        </p:nvSpPr>
+        <p:spPr/>
+        <p:txBody>
+          <a:bodyPr/>
+          <a:lstStyle/>
+          <a:p>
+            <a:r>
+              <a:rPr lang="fr-FR" dirty="0"/>
+              <a:t>Documentation Technique</a:t>
+            </a:r>
+          </a:p>
+        </p:txBody>
+      </p:sp>
+      <p:sp>
+        <p:nvSpPr>
+          <p:cNvPr id="7" name="Espace réservé du texte 6"/>
+          <p:cNvSpPr>
+            <a:spLocks noGrp="1"/>
+          </p:cNvSpPr>
+          <p:nvPr>
+            <p:ph type="body" sz="quarter" idx="16"/>
+          </p:nvPr>
+        </p:nvSpPr>
+        <p:spPr>
+          <a:xfrm>
+            <a:off x="611560" y="1105372"/>
+            <a:ext cx="5522540" cy="589563"/>
+          </a:xfrm>
+        </p:spPr>
+        <p:txBody>
+          <a:bodyPr>
+            <a:normAutofit/>
+          </a:bodyPr>
+          <a:lstStyle/>
+          <a:p>
+            <a:r>
+              <a:rPr lang="fr-FR" dirty="0"/>
+              <a:t> Diagramme d’utilisation</a:t>
+            </a:r>
+          </a:p>
+        </p:txBody>
+      </p:sp>
+      <p:pic>
+        <p:nvPicPr>
+          <p:cNvPr id="4" name="Image 3">
+            <a:extLst>
+              <a:ext uri="{FF2B5EF4-FFF2-40B4-BE49-F238E27FC236}">
+                <a16:creationId xmlns:a16="http://schemas.microsoft.com/office/drawing/2014/main" id="{0467163B-5DA1-4E8A-93EC-6AA892978755}"/>
+              </a:ext>
+            </a:extLst>
+          </p:cNvPr>
+          <p:cNvPicPr>
+            <a:picLocks noChangeAspect="1"/>
+          </p:cNvPicPr>
+          <p:nvPr/>
+        </p:nvPicPr>
+        <p:blipFill>
+          <a:blip r:embed="rId2"/>
+          <a:stretch>
+            <a:fillRect/>
+          </a:stretch>
+        </p:blipFill>
+        <p:spPr>
+          <a:xfrm>
+            <a:off x="2839243" y="2112205"/>
+            <a:ext cx="3465513" cy="2672984"/>
+          </a:xfrm>
+          <a:prstGeom prst="rect">
+            <a:avLst/>
+          </a:prstGeom>
+          <a:ln>
+            <a:noFill/>
+          </a:ln>
+          <a:effectLst>
+            <a:outerShdw blurRad="190500" algn="tl" rotWithShape="0">
+              <a:srgbClr val="000000">
+                <a:alpha val="70000"/>
+              </a:srgbClr>
+            </a:outerShdw>
+          </a:effectLst>
+        </p:spPr>
+      </p:pic>
+    </p:spTree>
+    <p:extLst>
+      <p:ext uri="{BB962C8B-B14F-4D97-AF65-F5344CB8AC3E}">
+        <p14:creationId xmlns:p14="http://schemas.microsoft.com/office/powerpoint/2010/main" val="3025825312"/>
+      </p:ext>
+    </p:extLst>
+  </p:cSld>
+  <p:clrMapOvr>
+    <a:masterClrMapping/>
+  </p:clrMapOvr>
+  <mc:AlternateContent xmlns:mc="http://schemas.openxmlformats.org/markup-compatibility/2006" xmlns:p14="http://schemas.microsoft.com/office/powerpoint/2010/main">
+    <mc:Choice Requires="p14">
+      <p:transition spd="med" p14:dur="700">
+        <p:fade/>
+      </p:transition>
+    </mc:Choice>
+    <mc:Fallback xmlns="">
+      <p:transition spd="med">
+        <p:fade/>
+      </p:transition>
+    </mc:Fallback>
+  </mc:AlternateContent>
+</p:sld>
+</file>
+
+<file path=ppt/slides/slide12.xml><?xml version="1.0" encoding="utf-8"?>
 <p:sld xmlns:a="http://schemas.openxmlformats.org/drawingml/2006/main" xmlns:r="http://schemas.openxmlformats.org/officeDocument/2006/relationships" xmlns:p="http://schemas.openxmlformats.org/presentationml/2006/main">
   <p:cSld>
     <p:spTree>
@@ -4373,203 +4570,13 @@
   <p:clrMapOvr>
     <a:masterClrMapping/>
   </p:clrMapOvr>
-  <mc:AlternateContent xmlns:mc="http://schemas.openxmlformats.org/markup-compatibility/2006">
-    <mc:Choice xmlns:p14="http://schemas.microsoft.com/office/powerpoint/2010/main" Requires="p14">
+  <mc:AlternateContent xmlns:mc="http://schemas.openxmlformats.org/markup-compatibility/2006" xmlns:p14="http://schemas.microsoft.com/office/powerpoint/2010/main">
+    <mc:Choice Requires="p14">
       <p:transition spd="med" p14:dur="700">
         <p:fade/>
       </p:transition>
     </mc:Choice>
-    <mc:Fallback>
-      <p:transition spd="med">
-        <p:fade/>
-      </p:transition>
-    </mc:Fallback>
-  </mc:AlternateContent>
-</p:sld>
-</file>
-
-<file path=ppt/slides/slide11.xml><?xml version="1.0" encoding="utf-8"?>
-<p:sld xmlns:a="http://schemas.openxmlformats.org/drawingml/2006/main" xmlns:r="http://schemas.openxmlformats.org/officeDocument/2006/relationships" xmlns:p="http://schemas.openxmlformats.org/presentationml/2006/main">
-  <p:cSld>
-    <p:spTree>
-      <p:nvGrpSpPr>
-        <p:cNvPr id="1" name=""/>
-        <p:cNvGrpSpPr/>
-        <p:nvPr/>
-      </p:nvGrpSpPr>
-      <p:grpSpPr>
-        <a:xfrm>
-          <a:off x="0" y="0"/>
-          <a:ext cx="0" cy="0"/>
-          <a:chOff x="0" y="0"/>
-          <a:chExt cx="0" cy="0"/>
-        </a:xfrm>
-      </p:grpSpPr>
-      <p:sp>
-        <p:nvSpPr>
-          <p:cNvPr id="2" name="Titre 1"/>
-          <p:cNvSpPr>
-            <a:spLocks noGrp="1"/>
-          </p:cNvSpPr>
-          <p:nvPr>
-            <p:ph type="title"/>
-          </p:nvPr>
-        </p:nvSpPr>
-        <p:spPr>
-          <a:xfrm>
-            <a:off x="3787103" y="1051264"/>
-            <a:ext cx="4280049" cy="1291587"/>
-          </a:xfrm>
-        </p:spPr>
-        <p:txBody>
-          <a:bodyPr>
-            <a:normAutofit fontScale="90000"/>
-          </a:bodyPr>
-          <a:lstStyle/>
-          <a:p>
-            <a:r>
-              <a:rPr lang="fr-FR" dirty="0"/>
-              <a:t>Réalisation et répartition des tâches</a:t>
-            </a:r>
-          </a:p>
-        </p:txBody>
-      </p:sp>
-    </p:spTree>
-    <p:extLst>
-      <p:ext uri="{BB962C8B-B14F-4D97-AF65-F5344CB8AC3E}">
-        <p14:creationId xmlns:p14="http://schemas.microsoft.com/office/powerpoint/2010/main" val="1352649666"/>
-      </p:ext>
-    </p:extLst>
-  </p:cSld>
-  <p:clrMapOvr>
-    <a:masterClrMapping/>
-  </p:clrMapOvr>
-  <mc:AlternateContent xmlns:mc="http://schemas.openxmlformats.org/markup-compatibility/2006">
-    <mc:Choice xmlns:p14="http://schemas.microsoft.com/office/powerpoint/2010/main" Requires="p14">
-      <p:transition spd="med" p14:dur="700">
-        <p:fade/>
-      </p:transition>
-    </mc:Choice>
-    <mc:Fallback>
-      <p:transition spd="med">
-        <p:fade/>
-      </p:transition>
-    </mc:Fallback>
-  </mc:AlternateContent>
-</p:sld>
-</file>
-
-<file path=ppt/slides/slide12.xml><?xml version="1.0" encoding="utf-8"?>
-<p:sld xmlns:a="http://schemas.openxmlformats.org/drawingml/2006/main" xmlns:r="http://schemas.openxmlformats.org/officeDocument/2006/relationships" xmlns:p="http://schemas.openxmlformats.org/presentationml/2006/main">
-  <p:cSld>
-    <p:spTree>
-      <p:nvGrpSpPr>
-        <p:cNvPr id="1" name=""/>
-        <p:cNvGrpSpPr/>
-        <p:nvPr/>
-      </p:nvGrpSpPr>
-      <p:grpSpPr>
-        <a:xfrm>
-          <a:off x="0" y="0"/>
-          <a:ext cx="0" cy="0"/>
-          <a:chOff x="0" y="0"/>
-          <a:chExt cx="0" cy="0"/>
-        </a:xfrm>
-      </p:grpSpPr>
-      <p:sp>
-        <p:nvSpPr>
-          <p:cNvPr id="3" name="Espace réservé du contenu 2"/>
-          <p:cNvSpPr>
-            <a:spLocks noGrp="1"/>
-          </p:cNvSpPr>
-          <p:nvPr>
-            <p:ph idx="1"/>
-          </p:nvPr>
-        </p:nvSpPr>
-        <p:spPr>
-          <a:xfrm>
-            <a:off x="562517" y="1119615"/>
-            <a:ext cx="8073483" cy="3394472"/>
-          </a:xfrm>
-        </p:spPr>
-        <p:txBody>
-          <a:bodyPr/>
-          <a:lstStyle/>
-          <a:p>
-            <a:r>
-              <a:rPr lang="fr-FR" dirty="0"/>
-              <a:t> Récupération de données - </a:t>
-            </a:r>
-            <a:r>
-              <a:rPr lang="fr-FR" dirty="0" err="1"/>
-              <a:t>Securino</a:t>
-            </a:r>
-            <a:r>
-              <a:rPr lang="fr-FR" dirty="0"/>
-              <a:t> </a:t>
-            </a:r>
-            <a:r>
-              <a:rPr lang="fr-FR" dirty="0" err="1"/>
-              <a:t>Sensor</a:t>
-            </a:r>
-            <a:r>
-              <a:rPr lang="fr-FR" dirty="0"/>
-              <a:t> (Arduino) :</a:t>
-            </a:r>
-          </a:p>
-          <a:p>
-            <a:pPr marL="457200" lvl="1" indent="0">
-              <a:buNone/>
-            </a:pPr>
-            <a:endParaRPr lang="fr-FR" dirty="0"/>
-          </a:p>
-          <a:p>
-            <a:pPr marL="0" indent="0">
-              <a:buNone/>
-            </a:pPr>
-            <a:endParaRPr lang="fr-FR" dirty="0"/>
-          </a:p>
-        </p:txBody>
-      </p:sp>
-      <p:sp>
-        <p:nvSpPr>
-          <p:cNvPr id="4" name="Espace réservé du texte 3"/>
-          <p:cNvSpPr>
-            <a:spLocks noGrp="1"/>
-          </p:cNvSpPr>
-          <p:nvPr>
-            <p:ph type="body" sz="quarter" idx="13"/>
-          </p:nvPr>
-        </p:nvSpPr>
-        <p:spPr/>
-        <p:txBody>
-          <a:bodyPr/>
-          <a:lstStyle/>
-          <a:p>
-            <a:r>
-              <a:rPr lang="fr-FR" dirty="0"/>
-              <a:t>Expression du besoin</a:t>
-            </a:r>
-          </a:p>
-        </p:txBody>
-      </p:sp>
-    </p:spTree>
-    <p:extLst>
-      <p:ext uri="{BB962C8B-B14F-4D97-AF65-F5344CB8AC3E}">
-        <p14:creationId xmlns:p14="http://schemas.microsoft.com/office/powerpoint/2010/main" val="4006069724"/>
-      </p:ext>
-    </p:extLst>
-  </p:cSld>
-  <p:clrMapOvr>
-    <a:masterClrMapping/>
-  </p:clrMapOvr>
-  <mc:AlternateContent xmlns:mc="http://schemas.openxmlformats.org/markup-compatibility/2006">
-    <mc:Choice xmlns:p14="http://schemas.microsoft.com/office/powerpoint/2010/main" Requires="p14">
-      <p:transition spd="med" p14:dur="700">
-        <p:fade/>
-      </p:transition>
-    </mc:Choice>
-    <mc:Fallback>
+    <mc:Fallback xmlns="">
       <p:transition spd="med">
         <p:fade/>
       </p:transition>
@@ -4597,64 +4604,29 @@
       </p:grpSpPr>
       <p:sp>
         <p:nvSpPr>
-          <p:cNvPr id="3" name="Espace réservé du contenu 2"/>
-          <p:cNvSpPr>
-            <a:spLocks noGrp="1"/>
-          </p:cNvSpPr>
-          <p:nvPr>
-            <p:ph idx="1"/>
-          </p:nvPr>
-        </p:nvSpPr>
-        <p:spPr/>
-        <p:txBody>
-          <a:bodyPr/>
+          <p:cNvPr id="2" name="Titre 1"/>
+          <p:cNvSpPr>
+            <a:spLocks noGrp="1"/>
+          </p:cNvSpPr>
+          <p:nvPr>
+            <p:ph type="title"/>
+          </p:nvPr>
+        </p:nvSpPr>
+        <p:spPr>
+          <a:xfrm>
+            <a:off x="3787103" y="1051264"/>
+            <a:ext cx="4280049" cy="1291587"/>
+          </a:xfrm>
+        </p:spPr>
+        <p:txBody>
+          <a:bodyPr>
+            <a:normAutofit fontScale="90000"/>
+          </a:bodyPr>
           <a:lstStyle/>
           <a:p>
             <a:r>
               <a:rPr lang="fr-FR" dirty="0"/>
-              <a:t> Serveur - </a:t>
-            </a:r>
-            <a:r>
-              <a:rPr lang="fr-FR" dirty="0" err="1"/>
-              <a:t>Securino</a:t>
-            </a:r>
-            <a:r>
-              <a:rPr lang="fr-FR" dirty="0"/>
-              <a:t> Gateway (Raspberry) :</a:t>
-            </a:r>
-          </a:p>
-          <a:p>
-            <a:pPr marL="457200" lvl="1" indent="0">
-              <a:buNone/>
-            </a:pPr>
-            <a:endParaRPr lang="fr-FR" dirty="0"/>
-          </a:p>
-          <a:p>
-            <a:pPr marL="0" indent="0">
-              <a:buNone/>
-            </a:pPr>
-            <a:endParaRPr lang="fr-FR" dirty="0"/>
-          </a:p>
-        </p:txBody>
-      </p:sp>
-      <p:sp>
-        <p:nvSpPr>
-          <p:cNvPr id="4" name="Espace réservé du texte 3"/>
-          <p:cNvSpPr>
-            <a:spLocks noGrp="1"/>
-          </p:cNvSpPr>
-          <p:nvPr>
-            <p:ph type="body" sz="quarter" idx="13"/>
-          </p:nvPr>
-        </p:nvSpPr>
-        <p:spPr/>
-        <p:txBody>
-          <a:bodyPr/>
-          <a:lstStyle/>
-          <a:p>
-            <a:r>
-              <a:rPr lang="fr-FR" dirty="0"/>
-              <a:t>Expression du besoin</a:t>
+              <a:t>Réalisation et répartition des tâches</a:t>
             </a:r>
           </a:p>
         </p:txBody>
@@ -4662,20 +4634,20 @@
     </p:spTree>
     <p:extLst>
       <p:ext uri="{BB962C8B-B14F-4D97-AF65-F5344CB8AC3E}">
-        <p14:creationId xmlns:p14="http://schemas.microsoft.com/office/powerpoint/2010/main" val="1426844626"/>
+        <p14:creationId xmlns:p14="http://schemas.microsoft.com/office/powerpoint/2010/main" val="1352649666"/>
       </p:ext>
     </p:extLst>
   </p:cSld>
   <p:clrMapOvr>
     <a:masterClrMapping/>
   </p:clrMapOvr>
-  <mc:AlternateContent xmlns:mc="http://schemas.openxmlformats.org/markup-compatibility/2006">
-    <mc:Choice xmlns:p14="http://schemas.microsoft.com/office/powerpoint/2010/main" Requires="p14">
+  <mc:AlternateContent xmlns:mc="http://schemas.openxmlformats.org/markup-compatibility/2006" xmlns:p14="http://schemas.microsoft.com/office/powerpoint/2010/main">
+    <mc:Choice Requires="p14">
       <p:transition spd="med" p14:dur="700">
         <p:fade/>
       </p:transition>
     </mc:Choice>
-    <mc:Fallback>
+    <mc:Fallback xmlns="">
       <p:transition spd="med">
         <p:fade/>
       </p:transition>
@@ -4711,22 +4683,31 @@
             <p:ph idx="1"/>
           </p:nvPr>
         </p:nvSpPr>
-        <p:spPr/>
+        <p:spPr>
+          <a:xfrm>
+            <a:off x="562517" y="1119615"/>
+            <a:ext cx="8073483" cy="3394472"/>
+          </a:xfrm>
+        </p:spPr>
         <p:txBody>
           <a:bodyPr/>
           <a:lstStyle/>
           <a:p>
             <a:r>
-              <a:rPr lang="fr-FR" dirty="0"/>
-              <a:t> Client - </a:t>
-            </a:r>
-            <a:r>
               <a:rPr lang="fr-FR" dirty="0" err="1"/>
               <a:t>Securino</a:t>
             </a:r>
             <a:r>
               <a:rPr lang="fr-FR" dirty="0"/>
-              <a:t> Dashboard (Interface web) :</a:t>
+              <a:t> </a:t>
+            </a:r>
+            <a:r>
+              <a:rPr lang="fr-FR" dirty="0" err="1"/>
+              <a:t>Sensor</a:t>
+            </a:r>
+            <a:r>
+              <a:rPr lang="fr-FR" dirty="0"/>
+              <a:t> (Arduino) :</a:t>
             </a:r>
           </a:p>
           <a:p>
@@ -4760,7 +4741,7 @@
           <a:p>
             <a:r>
               <a:rPr lang="fr-FR" dirty="0"/>
-              <a:t>Expression du besoin</a:t>
+              <a:t>Réalisation et répartition des tâches</a:t>
             </a:r>
           </a:p>
         </p:txBody>
@@ -4768,20 +4749,20 @@
     </p:spTree>
     <p:extLst>
       <p:ext uri="{BB962C8B-B14F-4D97-AF65-F5344CB8AC3E}">
-        <p14:creationId xmlns:p14="http://schemas.microsoft.com/office/powerpoint/2010/main" val="2271429845"/>
+        <p14:creationId xmlns:p14="http://schemas.microsoft.com/office/powerpoint/2010/main" val="4006069724"/>
       </p:ext>
     </p:extLst>
   </p:cSld>
   <p:clrMapOvr>
     <a:masterClrMapping/>
   </p:clrMapOvr>
-  <mc:AlternateContent xmlns:mc="http://schemas.openxmlformats.org/markup-compatibility/2006">
-    <mc:Choice xmlns:p14="http://schemas.microsoft.com/office/powerpoint/2010/main" Requires="p14">
+  <mc:AlternateContent xmlns:mc="http://schemas.openxmlformats.org/markup-compatibility/2006" xmlns:p14="http://schemas.microsoft.com/office/powerpoint/2010/main">
+    <mc:Choice Requires="p14">
       <p:transition spd="med" p14:dur="700">
         <p:fade/>
       </p:transition>
     </mc:Choice>
-    <mc:Fallback>
+    <mc:Fallback xmlns="">
       <p:transition spd="med">
         <p:fade/>
       </p:transition>
@@ -4809,29 +4790,158 @@
       </p:grpSpPr>
       <p:sp>
         <p:nvSpPr>
-          <p:cNvPr id="2" name="Titre 1"/>
-          <p:cNvSpPr>
-            <a:spLocks noGrp="1"/>
-          </p:cNvSpPr>
-          <p:nvPr>
-            <p:ph type="title"/>
-          </p:nvPr>
-        </p:nvSpPr>
-        <p:spPr>
-          <a:xfrm>
-            <a:off x="3787103" y="1051264"/>
-            <a:ext cx="4280049" cy="1291587"/>
-          </a:xfrm>
-        </p:spPr>
-        <p:txBody>
-          <a:bodyPr>
-            <a:normAutofit/>
-          </a:bodyPr>
+          <p:cNvPr id="3" name="Espace réservé du contenu 2"/>
+          <p:cNvSpPr>
+            <a:spLocks noGrp="1"/>
+          </p:cNvSpPr>
+          <p:nvPr>
+            <p:ph idx="1"/>
+          </p:nvPr>
+        </p:nvSpPr>
+        <p:spPr/>
+        <p:txBody>
+          <a:bodyPr/>
           <a:lstStyle/>
           <a:p>
             <a:r>
-              <a:rPr lang="fr-FR" dirty="0"/>
-              <a:t>Tests Réalisés</a:t>
+              <a:rPr lang="fr-FR" dirty="0" err="1"/>
+              <a:t>Securino</a:t>
+            </a:r>
+            <a:r>
+              <a:rPr lang="fr-FR" dirty="0"/>
+              <a:t> Gateway (Raspberry)</a:t>
+            </a:r>
+          </a:p>
+          <a:p>
+            <a:pPr lvl="1"/>
+            <a:r>
+              <a:rPr lang="fr-FR" dirty="0"/>
+              <a:t>Langage : C/C++</a:t>
+            </a:r>
+          </a:p>
+          <a:p>
+            <a:pPr lvl="1"/>
+            <a:r>
+              <a:rPr lang="fr-FR" dirty="0"/>
+              <a:t>Antenne LoRa : 868Mhz</a:t>
+            </a:r>
+          </a:p>
+          <a:p>
+            <a:pPr lvl="1"/>
+            <a:r>
+              <a:rPr lang="fr-FR" dirty="0"/>
+              <a:t>Shield : « </a:t>
+            </a:r>
+            <a:r>
+              <a:rPr lang="fr-FR" dirty="0" err="1"/>
+              <a:t>Snootlab</a:t>
+            </a:r>
+            <a:r>
+              <a:rPr lang="fr-FR" dirty="0"/>
+              <a:t> - </a:t>
+            </a:r>
+            <a:r>
+              <a:rPr lang="fr-FR" dirty="0" err="1"/>
+              <a:t>ChisteraPi</a:t>
+            </a:r>
+            <a:r>
+              <a:rPr lang="fr-FR" dirty="0"/>
+              <a:t> »</a:t>
+            </a:r>
+          </a:p>
+          <a:p>
+            <a:pPr lvl="1"/>
+            <a:r>
+              <a:rPr lang="fr-FR" dirty="0"/>
+              <a:t>Bibliothèque LoRa : «  </a:t>
+            </a:r>
+            <a:r>
+              <a:rPr lang="fr-FR" dirty="0" err="1"/>
+              <a:t>Adafruit</a:t>
+            </a:r>
+            <a:r>
+              <a:rPr lang="fr-FR" dirty="0"/>
+              <a:t> - </a:t>
+            </a:r>
+            <a:r>
+              <a:rPr lang="fr-FR" dirty="0" err="1"/>
+              <a:t>RadioHead</a:t>
+            </a:r>
+            <a:r>
+              <a:rPr lang="fr-FR" dirty="0"/>
+              <a:t> »</a:t>
+            </a:r>
+          </a:p>
+          <a:p>
+            <a:pPr lvl="1"/>
+            <a:r>
+              <a:rPr lang="fr-FR" dirty="0"/>
+              <a:t>Bibliothèque MQTT : « Eclipse - </a:t>
+            </a:r>
+            <a:r>
+              <a:rPr lang="fr-FR" dirty="0" err="1"/>
+              <a:t>Mosquitto</a:t>
+            </a:r>
+            <a:r>
+              <a:rPr lang="fr-FR" dirty="0"/>
+              <a:t> »</a:t>
+            </a:r>
+          </a:p>
+          <a:p>
+            <a:pPr lvl="1"/>
+            <a:r>
+              <a:rPr lang="fr-FR" dirty="0"/>
+              <a:t>« </a:t>
+            </a:r>
+            <a:r>
+              <a:rPr lang="fr-FR" dirty="0" err="1"/>
+              <a:t>SecurinoDecoder</a:t>
+            </a:r>
+            <a:r>
+              <a:rPr lang="fr-FR" dirty="0"/>
+              <a:t> » : Décoder les messages</a:t>
+            </a:r>
+          </a:p>
+          <a:p>
+            <a:pPr lvl="1"/>
+            <a:endParaRPr lang="fr-FR" dirty="0"/>
+          </a:p>
+          <a:p>
+            <a:pPr lvl="1"/>
+            <a:endParaRPr lang="fr-FR" dirty="0"/>
+          </a:p>
+          <a:p>
+            <a:pPr marL="457200" lvl="1" indent="0">
+              <a:buNone/>
+            </a:pPr>
+            <a:endParaRPr lang="fr-FR" dirty="0"/>
+          </a:p>
+          <a:p>
+            <a:pPr marL="0" indent="0">
+              <a:buNone/>
+            </a:pPr>
+            <a:endParaRPr lang="fr-FR" dirty="0"/>
+          </a:p>
+        </p:txBody>
+      </p:sp>
+      <p:sp>
+        <p:nvSpPr>
+          <p:cNvPr id="4" name="Espace réservé du texte 3"/>
+          <p:cNvSpPr>
+            <a:spLocks noGrp="1"/>
+          </p:cNvSpPr>
+          <p:nvPr>
+            <p:ph type="body" sz="quarter" idx="13"/>
+          </p:nvPr>
+        </p:nvSpPr>
+        <p:spPr/>
+        <p:txBody>
+          <a:bodyPr/>
+          <a:lstStyle/>
+          <a:p>
+            <a:r>
+              <a:rPr lang="fr-FR" dirty="0"/>
+              <a:t>Réalisation et répartition des tâches</a:t>
             </a:r>
           </a:p>
         </p:txBody>
@@ -4839,20 +4949,20 @@
     </p:spTree>
     <p:extLst>
       <p:ext uri="{BB962C8B-B14F-4D97-AF65-F5344CB8AC3E}">
-        <p14:creationId xmlns:p14="http://schemas.microsoft.com/office/powerpoint/2010/main" val="1075207142"/>
+        <p14:creationId xmlns:p14="http://schemas.microsoft.com/office/powerpoint/2010/main" val="1426844626"/>
       </p:ext>
     </p:extLst>
   </p:cSld>
   <p:clrMapOvr>
     <a:masterClrMapping/>
   </p:clrMapOvr>
-  <mc:AlternateContent xmlns:mc="http://schemas.openxmlformats.org/markup-compatibility/2006">
-    <mc:Choice xmlns:p14="http://schemas.microsoft.com/office/powerpoint/2010/main" Requires="p14">
+  <mc:AlternateContent xmlns:mc="http://schemas.openxmlformats.org/markup-compatibility/2006" xmlns:p14="http://schemas.microsoft.com/office/powerpoint/2010/main">
+    <mc:Choice Requires="p14">
       <p:transition spd="med" p14:dur="700">
         <p:fade/>
       </p:transition>
     </mc:Choice>
-    <mc:Fallback>
+    <mc:Fallback xmlns="">
       <p:transition spd="med">
         <p:fade/>
       </p:transition>
@@ -4880,6 +4990,284 @@
       </p:grpSpPr>
       <p:sp>
         <p:nvSpPr>
+          <p:cNvPr id="3" name="Espace réservé du contenu 2"/>
+          <p:cNvSpPr>
+            <a:spLocks noGrp="1"/>
+          </p:cNvSpPr>
+          <p:nvPr>
+            <p:ph idx="1"/>
+          </p:nvPr>
+        </p:nvSpPr>
+        <p:spPr/>
+        <p:txBody>
+          <a:bodyPr/>
+          <a:lstStyle/>
+          <a:p>
+            <a:r>
+              <a:rPr lang="fr-FR" dirty="0" err="1"/>
+              <a:t>Securino</a:t>
+            </a:r>
+            <a:r>
+              <a:rPr lang="fr-FR" dirty="0"/>
+              <a:t> Server (Raspberry)</a:t>
+            </a:r>
+          </a:p>
+          <a:p>
+            <a:pPr lvl="1"/>
+            <a:r>
+              <a:rPr lang="fr-FR" dirty="0"/>
+              <a:t>Langage : </a:t>
+            </a:r>
+            <a:r>
+              <a:rPr lang="fr-FR" dirty="0" err="1"/>
+              <a:t>NodeJs</a:t>
+            </a:r>
+            <a:endParaRPr lang="fr-FR" dirty="0"/>
+          </a:p>
+          <a:p>
+            <a:pPr lvl="1"/>
+            <a:r>
+              <a:rPr lang="fr-FR" dirty="0"/>
+              <a:t>NPM (</a:t>
+            </a:r>
+            <a:r>
+              <a:rPr lang="fr-FR" dirty="0" err="1"/>
+              <a:t>package.json</a:t>
+            </a:r>
+            <a:r>
+              <a:rPr lang="fr-FR" dirty="0"/>
+              <a:t>)</a:t>
+            </a:r>
+          </a:p>
+          <a:p>
+            <a:pPr lvl="1"/>
+            <a:r>
+              <a:rPr lang="fr-FR" dirty="0"/>
+              <a:t>Bibliothèque MQTT : « </a:t>
+            </a:r>
+            <a:r>
+              <a:rPr lang="fr-FR" dirty="0" err="1"/>
+              <a:t>MQTTJs</a:t>
+            </a:r>
+            <a:r>
+              <a:rPr lang="fr-FR" dirty="0"/>
+              <a:t> »</a:t>
+            </a:r>
+          </a:p>
+          <a:p>
+            <a:pPr lvl="1"/>
+            <a:r>
+              <a:rPr lang="fr-FR" dirty="0"/>
+              <a:t>Bibliothèque TCP : « </a:t>
+            </a:r>
+            <a:r>
+              <a:rPr lang="fr-FR" dirty="0" err="1"/>
+              <a:t>websocket</a:t>
+            </a:r>
+            <a:r>
+              <a:rPr lang="fr-FR" dirty="0"/>
+              <a:t> »</a:t>
+            </a:r>
+          </a:p>
+          <a:p>
+            <a:pPr marL="457200" lvl="1" indent="0">
+              <a:buNone/>
+            </a:pPr>
+            <a:endParaRPr lang="fr-FR" dirty="0"/>
+          </a:p>
+          <a:p>
+            <a:pPr marL="0" indent="0">
+              <a:buNone/>
+            </a:pPr>
+            <a:endParaRPr lang="fr-FR" dirty="0"/>
+          </a:p>
+        </p:txBody>
+      </p:sp>
+      <p:sp>
+        <p:nvSpPr>
+          <p:cNvPr id="4" name="Espace réservé du texte 3"/>
+          <p:cNvSpPr>
+            <a:spLocks noGrp="1"/>
+          </p:cNvSpPr>
+          <p:nvPr>
+            <p:ph type="body" sz="quarter" idx="13"/>
+          </p:nvPr>
+        </p:nvSpPr>
+        <p:spPr/>
+        <p:txBody>
+          <a:bodyPr/>
+          <a:lstStyle/>
+          <a:p>
+            <a:r>
+              <a:rPr lang="fr-FR" dirty="0"/>
+              <a:t>Réalisation et répartition des tâches</a:t>
+            </a:r>
+          </a:p>
+        </p:txBody>
+      </p:sp>
+    </p:spTree>
+    <p:extLst>
+      <p:ext uri="{BB962C8B-B14F-4D97-AF65-F5344CB8AC3E}">
+        <p14:creationId xmlns:p14="http://schemas.microsoft.com/office/powerpoint/2010/main" val="3556812692"/>
+      </p:ext>
+    </p:extLst>
+  </p:cSld>
+  <p:clrMapOvr>
+    <a:masterClrMapping/>
+  </p:clrMapOvr>
+  <mc:AlternateContent xmlns:mc="http://schemas.openxmlformats.org/markup-compatibility/2006" xmlns:p14="http://schemas.microsoft.com/office/powerpoint/2010/main">
+    <mc:Choice Requires="p14">
+      <p:transition spd="med" p14:dur="700">
+        <p:fade/>
+      </p:transition>
+    </mc:Choice>
+    <mc:Fallback xmlns="">
+      <p:transition spd="med">
+        <p:fade/>
+      </p:transition>
+    </mc:Fallback>
+  </mc:AlternateContent>
+</p:sld>
+</file>
+
+<file path=ppt/slides/slide17.xml><?xml version="1.0" encoding="utf-8"?>
+<p:sld xmlns:a="http://schemas.openxmlformats.org/drawingml/2006/main" xmlns:r="http://schemas.openxmlformats.org/officeDocument/2006/relationships" xmlns:p="http://schemas.openxmlformats.org/presentationml/2006/main">
+  <p:cSld>
+    <p:spTree>
+      <p:nvGrpSpPr>
+        <p:cNvPr id="1" name=""/>
+        <p:cNvGrpSpPr/>
+        <p:nvPr/>
+      </p:nvGrpSpPr>
+      <p:grpSpPr>
+        <a:xfrm>
+          <a:off x="0" y="0"/>
+          <a:ext cx="0" cy="0"/>
+          <a:chOff x="0" y="0"/>
+          <a:chExt cx="0" cy="0"/>
+        </a:xfrm>
+      </p:grpSpPr>
+      <p:sp>
+        <p:nvSpPr>
+          <p:cNvPr id="3" name="Espace réservé du contenu 2"/>
+          <p:cNvSpPr>
+            <a:spLocks noGrp="1"/>
+          </p:cNvSpPr>
+          <p:nvPr>
+            <p:ph idx="1"/>
+          </p:nvPr>
+        </p:nvSpPr>
+        <p:spPr/>
+        <p:txBody>
+          <a:bodyPr/>
+          <a:lstStyle/>
+          <a:p>
+            <a:r>
+              <a:rPr lang="fr-FR" dirty="0" err="1"/>
+              <a:t>Securino</a:t>
+            </a:r>
+            <a:r>
+              <a:rPr lang="fr-FR" dirty="0"/>
+              <a:t> Web app (Interface web)</a:t>
+            </a:r>
+          </a:p>
+          <a:p>
+            <a:pPr lvl="1"/>
+            <a:r>
+              <a:rPr lang="fr-FR" dirty="0"/>
+              <a:t>Langages : JavaScript, HTML5, CSS3</a:t>
+            </a:r>
+          </a:p>
+          <a:p>
+            <a:pPr lvl="1"/>
+            <a:r>
+              <a:rPr lang="fr-FR" dirty="0"/>
+              <a:t>Bibliothèque « </a:t>
+            </a:r>
+            <a:r>
+              <a:rPr lang="fr-FR" dirty="0" err="1"/>
+              <a:t>WebSocket</a:t>
+            </a:r>
+            <a:r>
+              <a:rPr lang="fr-FR" dirty="0"/>
+              <a:t> »</a:t>
+            </a:r>
+          </a:p>
+          <a:p>
+            <a:pPr lvl="1"/>
+            <a:r>
+              <a:rPr lang="fr-FR" dirty="0"/>
+              <a:t>Bibliothèque JQuery, Bootstrap </a:t>
+            </a:r>
+          </a:p>
+        </p:txBody>
+      </p:sp>
+      <p:sp>
+        <p:nvSpPr>
+          <p:cNvPr id="4" name="Espace réservé du texte 3"/>
+          <p:cNvSpPr>
+            <a:spLocks noGrp="1"/>
+          </p:cNvSpPr>
+          <p:nvPr>
+            <p:ph type="body" sz="quarter" idx="13"/>
+          </p:nvPr>
+        </p:nvSpPr>
+        <p:spPr/>
+        <p:txBody>
+          <a:bodyPr/>
+          <a:lstStyle/>
+          <a:p>
+            <a:r>
+              <a:rPr lang="fr-FR" dirty="0"/>
+              <a:t>Réalisation et répartition des tâches</a:t>
+            </a:r>
+          </a:p>
+        </p:txBody>
+      </p:sp>
+    </p:spTree>
+    <p:extLst>
+      <p:ext uri="{BB962C8B-B14F-4D97-AF65-F5344CB8AC3E}">
+        <p14:creationId xmlns:p14="http://schemas.microsoft.com/office/powerpoint/2010/main" val="2271429845"/>
+      </p:ext>
+    </p:extLst>
+  </p:cSld>
+  <p:clrMapOvr>
+    <a:masterClrMapping/>
+  </p:clrMapOvr>
+  <mc:AlternateContent xmlns:mc="http://schemas.openxmlformats.org/markup-compatibility/2006" xmlns:p14="http://schemas.microsoft.com/office/powerpoint/2010/main">
+    <mc:Choice Requires="p14">
+      <p:transition spd="med" p14:dur="700">
+        <p:fade/>
+      </p:transition>
+    </mc:Choice>
+    <mc:Fallback xmlns="">
+      <p:transition spd="med">
+        <p:fade/>
+      </p:transition>
+    </mc:Fallback>
+  </mc:AlternateContent>
+</p:sld>
+</file>
+
+<file path=ppt/slides/slide18.xml><?xml version="1.0" encoding="utf-8"?>
+<p:sld xmlns:a="http://schemas.openxmlformats.org/drawingml/2006/main" xmlns:r="http://schemas.openxmlformats.org/officeDocument/2006/relationships" xmlns:p="http://schemas.openxmlformats.org/presentationml/2006/main">
+  <p:cSld>
+    <p:spTree>
+      <p:nvGrpSpPr>
+        <p:cNvPr id="1" name=""/>
+        <p:cNvGrpSpPr/>
+        <p:nvPr/>
+      </p:nvGrpSpPr>
+      <p:grpSpPr>
+        <a:xfrm>
+          <a:off x="0" y="0"/>
+          <a:ext cx="0" cy="0"/>
+          <a:chOff x="0" y="0"/>
+          <a:chExt cx="0" cy="0"/>
+        </a:xfrm>
+      </p:grpSpPr>
+      <p:sp>
+        <p:nvSpPr>
           <p:cNvPr id="2" name="Titre 1"/>
           <p:cNvSpPr>
             <a:spLocks noGrp="1"/>
@@ -4917,13 +5305,13 @@
   <p:clrMapOvr>
     <a:masterClrMapping/>
   </p:clrMapOvr>
-  <mc:AlternateContent xmlns:mc="http://schemas.openxmlformats.org/markup-compatibility/2006">
-    <mc:Choice xmlns:p14="http://schemas.microsoft.com/office/powerpoint/2010/main" Requires="p14">
+  <mc:AlternateContent xmlns:mc="http://schemas.openxmlformats.org/markup-compatibility/2006" xmlns:p14="http://schemas.microsoft.com/office/powerpoint/2010/main">
+    <mc:Choice Requires="p14">
       <p:transition spd="med" p14:dur="700">
         <p:fade/>
       </p:transition>
     </mc:Choice>
-    <mc:Fallback>
+    <mc:Fallback xmlns="">
       <p:transition spd="med">
         <p:fade/>
       </p:transition>
@@ -4932,7 +5320,224 @@
 </p:sld>
 </file>
 
-<file path=ppt/slides/slide17.xml><?xml version="1.0" encoding="utf-8"?>
+<file path=ppt/slides/slide19.xml><?xml version="1.0" encoding="utf-8"?>
+<p:sld xmlns:a="http://schemas.openxmlformats.org/drawingml/2006/main" xmlns:r="http://schemas.openxmlformats.org/officeDocument/2006/relationships" xmlns:p="http://schemas.openxmlformats.org/presentationml/2006/main">
+  <p:cSld>
+    <p:spTree>
+      <p:nvGrpSpPr>
+        <p:cNvPr id="1" name=""/>
+        <p:cNvGrpSpPr/>
+        <p:nvPr/>
+      </p:nvGrpSpPr>
+      <p:grpSpPr>
+        <a:xfrm>
+          <a:off x="0" y="0"/>
+          <a:ext cx="0" cy="0"/>
+          <a:chOff x="0" y="0"/>
+          <a:chExt cx="0" cy="0"/>
+        </a:xfrm>
+      </p:grpSpPr>
+      <p:sp>
+        <p:nvSpPr>
+          <p:cNvPr id="3" name="Espace réservé du contenu 2"/>
+          <p:cNvSpPr>
+            <a:spLocks noGrp="1"/>
+          </p:cNvSpPr>
+          <p:nvPr>
+            <p:ph idx="1"/>
+          </p:nvPr>
+        </p:nvSpPr>
+        <p:spPr/>
+        <p:txBody>
+          <a:bodyPr/>
+          <a:lstStyle/>
+          <a:p>
+            <a:r>
+              <a:rPr lang="fr-FR" dirty="0"/>
+              <a:t>Conclusion </a:t>
+            </a:r>
+          </a:p>
+          <a:p>
+            <a:pPr marL="457200" lvl="1" indent="0">
+              <a:buNone/>
+            </a:pPr>
+            <a:endParaRPr lang="fr-FR" dirty="0"/>
+          </a:p>
+          <a:p>
+            <a:pPr marL="0" indent="0">
+              <a:buNone/>
+            </a:pPr>
+            <a:endParaRPr lang="fr-FR" dirty="0"/>
+          </a:p>
+        </p:txBody>
+      </p:sp>
+      <p:sp>
+        <p:nvSpPr>
+          <p:cNvPr id="4" name="Espace réservé du texte 3"/>
+          <p:cNvSpPr>
+            <a:spLocks noGrp="1"/>
+          </p:cNvSpPr>
+          <p:nvPr>
+            <p:ph type="body" sz="quarter" idx="13"/>
+          </p:nvPr>
+        </p:nvSpPr>
+        <p:spPr/>
+        <p:txBody>
+          <a:bodyPr/>
+          <a:lstStyle/>
+          <a:p>
+            <a:r>
+              <a:rPr lang="fr-FR" dirty="0"/>
+              <a:t>Conclusion</a:t>
+            </a:r>
+          </a:p>
+        </p:txBody>
+      </p:sp>
+    </p:spTree>
+    <p:extLst>
+      <p:ext uri="{BB962C8B-B14F-4D97-AF65-F5344CB8AC3E}">
+        <p14:creationId xmlns:p14="http://schemas.microsoft.com/office/powerpoint/2010/main" val="409071061"/>
+      </p:ext>
+    </p:extLst>
+  </p:cSld>
+  <p:clrMapOvr>
+    <a:masterClrMapping/>
+  </p:clrMapOvr>
+  <mc:AlternateContent xmlns:mc="http://schemas.openxmlformats.org/markup-compatibility/2006" xmlns:p14="http://schemas.microsoft.com/office/powerpoint/2010/main">
+    <mc:Choice Requires="p14">
+      <p:transition spd="med" p14:dur="700">
+        <p:fade/>
+      </p:transition>
+    </mc:Choice>
+    <mc:Fallback xmlns="">
+      <p:transition spd="med">
+        <p:fade/>
+      </p:transition>
+    </mc:Fallback>
+  </mc:AlternateContent>
+</p:sld>
+</file>
+
+<file path=ppt/slides/slide2.xml><?xml version="1.0" encoding="utf-8"?>
+<p:sld xmlns:a="http://schemas.openxmlformats.org/drawingml/2006/main" xmlns:r="http://schemas.openxmlformats.org/officeDocument/2006/relationships" xmlns:p="http://schemas.openxmlformats.org/presentationml/2006/main">
+  <p:cSld>
+    <p:spTree>
+      <p:nvGrpSpPr>
+        <p:cNvPr id="1" name=""/>
+        <p:cNvGrpSpPr/>
+        <p:nvPr/>
+      </p:nvGrpSpPr>
+      <p:grpSpPr>
+        <a:xfrm>
+          <a:off x="0" y="0"/>
+          <a:ext cx="0" cy="0"/>
+          <a:chOff x="0" y="0"/>
+          <a:chExt cx="0" cy="0"/>
+        </a:xfrm>
+      </p:grpSpPr>
+      <p:sp>
+        <p:nvSpPr>
+          <p:cNvPr id="2" name="Espace réservé du texte 1"/>
+          <p:cNvSpPr>
+            <a:spLocks noGrp="1"/>
+          </p:cNvSpPr>
+          <p:nvPr>
+            <p:ph type="body" sz="quarter" idx="14"/>
+          </p:nvPr>
+        </p:nvSpPr>
+        <p:spPr>
+          <a:xfrm>
+            <a:off x="2657341" y="2214048"/>
+            <a:ext cx="5140459" cy="453402"/>
+          </a:xfrm>
+        </p:spPr>
+        <p:txBody>
+          <a:bodyPr/>
+          <a:lstStyle/>
+          <a:p>
+            <a:r>
+              <a:rPr lang="fr-FR" dirty="0"/>
+              <a:t> Qu’est ce que </a:t>
+            </a:r>
+            <a:r>
+              <a:rPr lang="fr-FR" dirty="0" err="1"/>
+              <a:t>Securino</a:t>
+            </a:r>
+            <a:r>
+              <a:rPr lang="fr-FR" dirty="0"/>
+              <a:t> ? </a:t>
+            </a:r>
+          </a:p>
+          <a:p>
+            <a:r>
+              <a:rPr lang="fr-FR" dirty="0"/>
+              <a:t> Documentation Technique</a:t>
+            </a:r>
+          </a:p>
+          <a:p>
+            <a:r>
+              <a:rPr lang="fr-FR" dirty="0"/>
+              <a:t> Expression du besoin</a:t>
+            </a:r>
+          </a:p>
+          <a:p>
+            <a:r>
+              <a:rPr lang="fr-FR" dirty="0"/>
+              <a:t> Réalisation</a:t>
+            </a:r>
+          </a:p>
+          <a:p>
+            <a:r>
+              <a:rPr lang="fr-FR" dirty="0"/>
+              <a:t> Conclusion</a:t>
+            </a:r>
+          </a:p>
+        </p:txBody>
+      </p:sp>
+      <p:sp>
+        <p:nvSpPr>
+          <p:cNvPr id="3" name="Espace réservé du texte 2"/>
+          <p:cNvSpPr>
+            <a:spLocks noGrp="1"/>
+          </p:cNvSpPr>
+          <p:nvPr>
+            <p:ph type="body" sz="quarter" idx="15"/>
+          </p:nvPr>
+        </p:nvSpPr>
+        <p:spPr>
+          <a:xfrm>
+            <a:off x="3168606" y="1697588"/>
+            <a:ext cx="4201449" cy="453402"/>
+          </a:xfrm>
+        </p:spPr>
+        <p:txBody>
+          <a:bodyPr/>
+          <a:lstStyle/>
+          <a:p>
+            <a:r>
+              <a:rPr lang="fr-FR" dirty="0"/>
+              <a:t>Sommaire</a:t>
+            </a:r>
+          </a:p>
+        </p:txBody>
+      </p:sp>
+    </p:spTree>
+    <p:extLst>
+      <p:ext uri="{BB962C8B-B14F-4D97-AF65-F5344CB8AC3E}">
+        <p14:creationId xmlns:p14="http://schemas.microsoft.com/office/powerpoint/2010/main" val="2647164006"/>
+      </p:ext>
+    </p:extLst>
+  </p:cSld>
+  <p:clrMapOvr>
+    <a:masterClrMapping/>
+  </p:clrMapOvr>
+  <p:transition spd="slow">
+    <p:push dir="u"/>
+  </p:transition>
+</p:sld>
+</file>
+
+<file path=ppt/slides/slide20.xml><?xml version="1.0" encoding="utf-8"?>
 <p:sld xmlns:a="http://schemas.openxmlformats.org/drawingml/2006/main" xmlns:r="http://schemas.openxmlformats.org/officeDocument/2006/relationships" xmlns:p="http://schemas.openxmlformats.org/presentationml/2006/main">
   <p:cSld>
     <p:spTree>
@@ -5036,131 +5641,6 @@
 </p:sld>
 </file>
 
-<file path=ppt/slides/slide2.xml><?xml version="1.0" encoding="utf-8"?>
-<p:sld xmlns:a="http://schemas.openxmlformats.org/drawingml/2006/main" xmlns:r="http://schemas.openxmlformats.org/officeDocument/2006/relationships" xmlns:p="http://schemas.openxmlformats.org/presentationml/2006/main">
-  <p:cSld>
-    <p:spTree>
-      <p:nvGrpSpPr>
-        <p:cNvPr id="1" name=""/>
-        <p:cNvGrpSpPr/>
-        <p:nvPr/>
-      </p:nvGrpSpPr>
-      <p:grpSpPr>
-        <a:xfrm>
-          <a:off x="0" y="0"/>
-          <a:ext cx="0" cy="0"/>
-          <a:chOff x="0" y="0"/>
-          <a:chExt cx="0" cy="0"/>
-        </a:xfrm>
-      </p:grpSpPr>
-      <p:sp>
-        <p:nvSpPr>
-          <p:cNvPr id="2" name="Espace réservé du texte 1"/>
-          <p:cNvSpPr>
-            <a:spLocks noGrp="1"/>
-          </p:cNvSpPr>
-          <p:nvPr>
-            <p:ph type="body" sz="quarter" idx="14"/>
-          </p:nvPr>
-        </p:nvSpPr>
-        <p:spPr>
-          <a:xfrm>
-            <a:off x="2657341" y="2214048"/>
-            <a:ext cx="5140459" cy="453402"/>
-          </a:xfrm>
-        </p:spPr>
-        <p:txBody>
-          <a:bodyPr/>
-          <a:lstStyle/>
-          <a:p>
-            <a:r>
-              <a:rPr lang="fr-FR" dirty="0"/>
-              <a:t> Qu’est ce que </a:t>
-            </a:r>
-            <a:r>
-              <a:rPr lang="fr-FR" dirty="0" err="1"/>
-              <a:t>Securino</a:t>
-            </a:r>
-            <a:r>
-              <a:rPr lang="fr-FR" dirty="0"/>
-              <a:t> ? </a:t>
-            </a:r>
-          </a:p>
-          <a:p>
-            <a:r>
-              <a:rPr lang="fr-FR" dirty="0"/>
-              <a:t> Documentation Technique</a:t>
-            </a:r>
-          </a:p>
-          <a:p>
-            <a:r>
-              <a:rPr lang="fr-FR" dirty="0"/>
-              <a:t> Expression du besoin</a:t>
-            </a:r>
-          </a:p>
-          <a:p>
-            <a:r>
-              <a:rPr lang="fr-FR" dirty="0"/>
-              <a:t> Réalisation</a:t>
-            </a:r>
-          </a:p>
-          <a:p>
-            <a:r>
-              <a:rPr lang="fr-FR" dirty="0"/>
-              <a:t> Tests</a:t>
-            </a:r>
-          </a:p>
-          <a:p>
-            <a:r>
-              <a:rPr lang="fr-FR" dirty="0"/>
-              <a:t> Conclusion</a:t>
-            </a:r>
-          </a:p>
-        </p:txBody>
-      </p:sp>
-      <p:sp>
-        <p:nvSpPr>
-          <p:cNvPr id="3" name="Espace réservé du texte 2"/>
-          <p:cNvSpPr>
-            <a:spLocks noGrp="1"/>
-          </p:cNvSpPr>
-          <p:nvPr>
-            <p:ph type="body" sz="quarter" idx="15"/>
-          </p:nvPr>
-        </p:nvSpPr>
-        <p:spPr>
-          <a:xfrm>
-            <a:off x="3168606" y="1697588"/>
-            <a:ext cx="4201449" cy="453402"/>
-          </a:xfrm>
-        </p:spPr>
-        <p:txBody>
-          <a:bodyPr/>
-          <a:lstStyle/>
-          <a:p>
-            <a:r>
-              <a:rPr lang="fr-FR" dirty="0"/>
-              <a:t>Sommaire</a:t>
-            </a:r>
-          </a:p>
-        </p:txBody>
-      </p:sp>
-    </p:spTree>
-    <p:extLst>
-      <p:ext uri="{BB962C8B-B14F-4D97-AF65-F5344CB8AC3E}">
-        <p14:creationId xmlns:p14="http://schemas.microsoft.com/office/powerpoint/2010/main" val="2647164006"/>
-      </p:ext>
-    </p:extLst>
-  </p:cSld>
-  <p:clrMapOvr>
-    <a:masterClrMapping/>
-  </p:clrMapOvr>
-  <p:transition spd="slow">
-    <p:push dir="u"/>
-  </p:transition>
-</p:sld>
-</file>
-
 <file path=ppt/slides/slide3.xml><?xml version="1.0" encoding="utf-8"?>
 <p:sld xmlns:a="http://schemas.openxmlformats.org/drawingml/2006/main" xmlns:r="http://schemas.openxmlformats.org/officeDocument/2006/relationships" xmlns:p="http://schemas.openxmlformats.org/presentationml/2006/main">
   <p:cSld>
@@ -5223,13 +5703,13 @@
   <p:clrMapOvr>
     <a:masterClrMapping/>
   </p:clrMapOvr>
-  <mc:AlternateContent xmlns:mc="http://schemas.openxmlformats.org/markup-compatibility/2006">
-    <mc:Choice xmlns:p14="http://schemas.microsoft.com/office/powerpoint/2010/main" Requires="p14">
+  <mc:AlternateContent xmlns:mc="http://schemas.openxmlformats.org/markup-compatibility/2006" xmlns:p14="http://schemas.microsoft.com/office/powerpoint/2010/main">
+    <mc:Choice Requires="p14">
       <p:transition spd="med" p14:dur="700">
         <p:fade/>
       </p:transition>
     </mc:Choice>
-    <mc:Fallback>
+    <mc:Fallback xmlns="">
       <p:transition spd="med">
         <p:fade/>
       </p:transition>
@@ -5272,63 +5752,56 @@
           <a:p>
             <a:r>
               <a:rPr lang="fr-FR" dirty="0"/>
-              <a:t> Nouvelles technologies sécurisées</a:t>
-            </a:r>
-          </a:p>
-          <a:p>
-            <a:r>
-              <a:rPr lang="fr-FR" dirty="0"/>
-              <a:t> Remontée d’information en temps réel</a:t>
-            </a:r>
-          </a:p>
-          <a:p>
-            <a:r>
-              <a:rPr lang="fr-FR" dirty="0"/>
-              <a:t> Plusieurs capteurs et une passerelle</a:t>
-            </a:r>
-          </a:p>
-          <a:p>
-            <a:r>
-              <a:rPr lang="fr-FR" dirty="0"/>
-              <a:t> Adaptation à différent environnements</a:t>
+              <a:t> Modules</a:t>
             </a:r>
           </a:p>
           <a:p>
             <a:pPr lvl="1"/>
             <a:r>
-              <a:rPr lang="fr-FR" dirty="0"/>
-              <a:t>Maisons</a:t>
+              <a:rPr lang="fr-FR" dirty="0" err="1"/>
+              <a:t>Securino</a:t>
+            </a:r>
+            <a:r>
+              <a:rPr lang="fr-FR" dirty="0"/>
+              <a:t> Web Application</a:t>
             </a:r>
           </a:p>
           <a:p>
             <a:pPr lvl="1"/>
             <a:r>
-              <a:rPr lang="fr-FR" dirty="0"/>
-              <a:t>Chantiers</a:t>
+              <a:rPr lang="fr-FR" dirty="0" err="1"/>
+              <a:t>Securino</a:t>
+            </a:r>
+            <a:r>
+              <a:rPr lang="fr-FR" dirty="0"/>
+              <a:t> Server</a:t>
             </a:r>
           </a:p>
           <a:p>
             <a:pPr lvl="1"/>
             <a:r>
-              <a:rPr lang="fr-FR" dirty="0"/>
-              <a:t>Serre agricole</a:t>
+              <a:rPr lang="fr-FR" dirty="0" err="1"/>
+              <a:t>Securino</a:t>
+            </a:r>
+            <a:r>
+              <a:rPr lang="fr-FR" dirty="0"/>
+              <a:t> Gateway</a:t>
             </a:r>
           </a:p>
           <a:p>
             <a:pPr lvl="1"/>
             <a:r>
               <a:rPr lang="fr-FR" dirty="0" err="1"/>
-              <a:t>Etc</a:t>
-            </a:r>
-            <a:r>
-              <a:rPr lang="fr-FR" dirty="0"/>
-              <a:t> …</a:t>
-            </a:r>
-          </a:p>
-          <a:p>
-            <a:pPr marL="457200" lvl="1" indent="0">
-              <a:buNone/>
-            </a:pPr>
+              <a:t>Securino</a:t>
+            </a:r>
+            <a:r>
+              <a:rPr lang="fr-FR" dirty="0"/>
+              <a:t> </a:t>
+            </a:r>
+            <a:r>
+              <a:rPr lang="fr-FR" dirty="0" err="1"/>
+              <a:t>Sensor</a:t>
+            </a:r>
             <a:endParaRPr lang="fr-FR" dirty="0"/>
           </a:p>
           <a:p>
@@ -5376,20 +5849,20 @@
     </p:spTree>
     <p:extLst>
       <p:ext uri="{BB962C8B-B14F-4D97-AF65-F5344CB8AC3E}">
-        <p14:creationId xmlns:p14="http://schemas.microsoft.com/office/powerpoint/2010/main" val="285527331"/>
+        <p14:creationId xmlns:p14="http://schemas.microsoft.com/office/powerpoint/2010/main" val="1751523280"/>
       </p:ext>
     </p:extLst>
   </p:cSld>
   <p:clrMapOvr>
     <a:masterClrMapping/>
   </p:clrMapOvr>
-  <mc:AlternateContent xmlns:mc="http://schemas.openxmlformats.org/markup-compatibility/2006">
-    <mc:Choice xmlns:p14="http://schemas.microsoft.com/office/powerpoint/2010/main" Requires="p14">
+  <mc:AlternateContent xmlns:mc="http://schemas.openxmlformats.org/markup-compatibility/2006" xmlns:p14="http://schemas.microsoft.com/office/powerpoint/2010/main">
+    <mc:Choice Requires="p14">
       <p:transition spd="med" p14:dur="700">
         <p:fade/>
       </p:transition>
     </mc:Choice>
-    <mc:Fallback>
+    <mc:Fallback xmlns="">
       <p:transition spd="med">
         <p:fade/>
       </p:transition>
@@ -5417,7 +5890,13 @@
       </p:grpSpPr>
       <p:sp>
         <p:nvSpPr>
-          <p:cNvPr id="2" name="Titre 1"/>
+          <p:cNvPr id="2" name="Titre 1">
+            <a:extLst>
+              <a:ext uri="{FF2B5EF4-FFF2-40B4-BE49-F238E27FC236}">
+                <a16:creationId xmlns:a16="http://schemas.microsoft.com/office/drawing/2014/main" id="{E7538998-57FA-427F-850B-1E0066ED8DDD}"/>
+              </a:ext>
+            </a:extLst>
+          </p:cNvPr>
           <p:cNvSpPr>
             <a:spLocks noGrp="1"/>
           </p:cNvSpPr>
@@ -5430,39 +5909,260 @@
           <a:bodyPr/>
           <a:lstStyle/>
           <a:p>
-            <a:r>
-              <a:rPr lang="fr-FR" dirty="0"/>
-              <a:t>Illustration de « </a:t>
+            <a:endParaRPr lang="fr-FR" dirty="0"/>
+          </a:p>
+        </p:txBody>
+      </p:sp>
+      <p:sp>
+        <p:nvSpPr>
+          <p:cNvPr id="3" name="Espace réservé du contenu 2">
+            <a:extLst>
+              <a:ext uri="{FF2B5EF4-FFF2-40B4-BE49-F238E27FC236}">
+                <a16:creationId xmlns:a16="http://schemas.microsoft.com/office/drawing/2014/main" id="{B5BEBB13-6140-477F-B9AD-179B87CEDFF9}"/>
+              </a:ext>
+            </a:extLst>
+          </p:cNvPr>
+          <p:cNvSpPr>
+            <a:spLocks noGrp="1"/>
+          </p:cNvSpPr>
+          <p:nvPr>
+            <p:ph idx="1"/>
+          </p:nvPr>
+        </p:nvSpPr>
+        <p:spPr/>
+        <p:txBody>
+          <a:bodyPr/>
+          <a:lstStyle/>
+          <a:p>
+            <a:r>
+              <a:rPr lang="fr-FR" dirty="0"/>
+              <a:t> Nouvelles technologies sécurisées</a:t>
+            </a:r>
+          </a:p>
+          <a:p>
+            <a:r>
+              <a:rPr lang="fr-FR" dirty="0"/>
+              <a:t> Remontée d’information en temps réel</a:t>
+            </a:r>
+          </a:p>
+          <a:p>
+            <a:r>
+              <a:rPr lang="fr-FR" dirty="0"/>
+              <a:t> Plusieurs capteurs pour une passerelle</a:t>
+            </a:r>
+          </a:p>
+          <a:p>
+            <a:r>
+              <a:rPr lang="fr-FR" dirty="0"/>
+              <a:t> S’adapte à différent environnements</a:t>
+            </a:r>
+          </a:p>
+          <a:p>
+            <a:pPr lvl="1"/>
+            <a:r>
+              <a:rPr lang="fr-FR" dirty="0"/>
+              <a:t>Maisons</a:t>
+            </a:r>
+          </a:p>
+          <a:p>
+            <a:pPr lvl="1"/>
+            <a:r>
+              <a:rPr lang="fr-FR" dirty="0"/>
+              <a:t>Chantiers</a:t>
+            </a:r>
+          </a:p>
+          <a:p>
+            <a:pPr lvl="1"/>
+            <a:r>
+              <a:rPr lang="fr-FR" dirty="0"/>
+              <a:t>Serre agricole</a:t>
+            </a:r>
+          </a:p>
+          <a:p>
+            <a:pPr lvl="1"/>
+            <a:r>
+              <a:rPr lang="fr-FR" dirty="0" err="1"/>
+              <a:t>Etc</a:t>
+            </a:r>
+            <a:r>
+              <a:rPr lang="fr-FR" dirty="0"/>
+              <a:t> …</a:t>
+            </a:r>
+          </a:p>
+          <a:p>
+            <a:endParaRPr lang="fr-FR" dirty="0"/>
+          </a:p>
+        </p:txBody>
+      </p:sp>
+      <p:sp>
+        <p:nvSpPr>
+          <p:cNvPr id="4" name="Espace réservé du texte 3">
+            <a:extLst>
+              <a:ext uri="{FF2B5EF4-FFF2-40B4-BE49-F238E27FC236}">
+                <a16:creationId xmlns:a16="http://schemas.microsoft.com/office/drawing/2014/main" id="{F7CE3F99-1960-4649-BF97-FA4D4F9792E4}"/>
+              </a:ext>
+            </a:extLst>
+          </p:cNvPr>
+          <p:cNvSpPr>
+            <a:spLocks noGrp="1"/>
+          </p:cNvSpPr>
+          <p:nvPr>
+            <p:ph type="body" sz="quarter" idx="13"/>
+          </p:nvPr>
+        </p:nvSpPr>
+        <p:spPr/>
+        <p:txBody>
+          <a:bodyPr/>
+          <a:lstStyle/>
+          <a:p>
+            <a:r>
+              <a:rPr lang="fr-FR" dirty="0"/>
+              <a:t>Qu’est ce que </a:t>
             </a:r>
             <a:r>
               <a:rPr lang="fr-FR" dirty="0" err="1"/>
               <a:t>Securino</a:t>
             </a:r>
-            <a:r>
-              <a:rPr lang="fr-FR" dirty="0"/>
-              <a:t> »</a:t>
-            </a:r>
-          </a:p>
-        </p:txBody>
-      </p:sp>
-      <p:sp>
-        <p:nvSpPr>
-          <p:cNvPr id="4" name="Espace réservé du texte 3"/>
-          <p:cNvSpPr>
-            <a:spLocks noGrp="1"/>
-          </p:cNvSpPr>
-          <p:nvPr>
-            <p:ph type="body" sz="half" idx="2"/>
-          </p:nvPr>
-        </p:nvSpPr>
-        <p:spPr/>
+            <a:endParaRPr lang="fr-FR" dirty="0"/>
+          </a:p>
+        </p:txBody>
+      </p:sp>
+    </p:spTree>
+    <p:extLst>
+      <p:ext uri="{BB962C8B-B14F-4D97-AF65-F5344CB8AC3E}">
+        <p14:creationId xmlns:p14="http://schemas.microsoft.com/office/powerpoint/2010/main" val="1835809650"/>
+      </p:ext>
+    </p:extLst>
+  </p:cSld>
+  <p:clrMapOvr>
+    <a:masterClrMapping/>
+  </p:clrMapOvr>
+</p:sld>
+</file>
+
+<file path=ppt/slides/slide6.xml><?xml version="1.0" encoding="utf-8"?>
+<p:sld xmlns:a="http://schemas.openxmlformats.org/drawingml/2006/main" xmlns:r="http://schemas.openxmlformats.org/officeDocument/2006/relationships" xmlns:p="http://schemas.openxmlformats.org/presentationml/2006/main">
+  <p:cSld>
+    <p:spTree>
+      <p:nvGrpSpPr>
+        <p:cNvPr id="1" name=""/>
+        <p:cNvGrpSpPr/>
+        <p:nvPr/>
+      </p:nvGrpSpPr>
+      <p:grpSpPr>
+        <a:xfrm>
+          <a:off x="0" y="0"/>
+          <a:ext cx="0" cy="0"/>
+          <a:chOff x="0" y="0"/>
+          <a:chExt cx="0" cy="0"/>
+        </a:xfrm>
+      </p:grpSpPr>
+      <p:sp>
+        <p:nvSpPr>
+          <p:cNvPr id="2" name="Titre 1"/>
+          <p:cNvSpPr>
+            <a:spLocks noGrp="1"/>
+          </p:cNvSpPr>
+          <p:nvPr>
+            <p:ph type="title"/>
+          </p:nvPr>
+        </p:nvSpPr>
+        <p:spPr>
+          <a:xfrm>
+            <a:off x="1760907" y="3349322"/>
+            <a:ext cx="5486400" cy="425054"/>
+          </a:xfrm>
+        </p:spPr>
         <p:txBody>
           <a:bodyPr/>
           <a:lstStyle/>
           <a:p>
             <a:r>
               <a:rPr lang="fr-FR" dirty="0"/>
-              <a:t>Relève des données depuis une carte Arduino en passant par une passerelle Raspberry</a:t>
+              <a:t>Illustration de « </a:t>
+            </a:r>
+            <a:r>
+              <a:rPr lang="fr-FR" dirty="0" err="1"/>
+              <a:t>Securino</a:t>
+            </a:r>
+            <a:r>
+              <a:rPr lang="fr-FR" dirty="0"/>
+              <a:t> »</a:t>
+            </a:r>
+          </a:p>
+        </p:txBody>
+      </p:sp>
+      <p:sp>
+        <p:nvSpPr>
+          <p:cNvPr id="4" name="Espace réservé du texte 3"/>
+          <p:cNvSpPr>
+            <a:spLocks noGrp="1"/>
+          </p:cNvSpPr>
+          <p:nvPr>
+            <p:ph type="body" sz="half" idx="2"/>
+          </p:nvPr>
+        </p:nvSpPr>
+        <p:spPr>
+          <a:xfrm>
+            <a:off x="2286000" y="3834809"/>
+            <a:ext cx="4992688" cy="438739"/>
+          </a:xfrm>
+        </p:spPr>
+        <p:txBody>
+          <a:bodyPr/>
+          <a:lstStyle/>
+          <a:p>
+            <a:r>
+              <a:rPr lang="fr-FR" dirty="0"/>
+              <a:t>Relève des données depuis une carte Arduino (</a:t>
+            </a:r>
+            <a:r>
+              <a:rPr lang="fr-FR" dirty="0" err="1"/>
+              <a:t>Securino</a:t>
+            </a:r>
+            <a:r>
+              <a:rPr lang="fr-FR" dirty="0"/>
+              <a:t> </a:t>
+            </a:r>
+            <a:r>
+              <a:rPr lang="fr-FR" dirty="0" err="1"/>
+              <a:t>Sensor</a:t>
+            </a:r>
+            <a:r>
+              <a:rPr lang="fr-FR" dirty="0"/>
+              <a:t>) en passant par une passerelle Raspberry (</a:t>
+            </a:r>
+            <a:r>
+              <a:rPr lang="fr-FR" dirty="0" err="1"/>
+              <a:t>Securino</a:t>
+            </a:r>
+            <a:r>
+              <a:rPr lang="fr-FR" dirty="0"/>
+              <a:t> Gateway), un serveur MQTT et </a:t>
+            </a:r>
+            <a:r>
+              <a:rPr lang="fr-FR" dirty="0" err="1"/>
+              <a:t>Websocket</a:t>
+            </a:r>
+            <a:r>
+              <a:rPr lang="fr-FR" dirty="0"/>
+              <a:t> (</a:t>
+            </a:r>
+            <a:r>
+              <a:rPr lang="fr-FR" dirty="0" err="1"/>
+              <a:t>Securino</a:t>
+            </a:r>
+            <a:r>
+              <a:rPr lang="fr-FR" dirty="0"/>
+              <a:t> Server) et enfin afficher les données sur une interface web (</a:t>
+            </a:r>
+            <a:r>
+              <a:rPr lang="fr-FR" dirty="0" err="1"/>
+              <a:t>Securino</a:t>
+            </a:r>
+            <a:r>
+              <a:rPr lang="fr-FR" dirty="0"/>
+              <a:t> Web App).</a:t>
             </a:r>
           </a:p>
         </p:txBody>
@@ -5986,82 +6686,13 @@
   <p:clrMapOvr>
     <a:masterClrMapping/>
   </p:clrMapOvr>
-  <mc:AlternateContent xmlns:mc="http://schemas.openxmlformats.org/markup-compatibility/2006">
-    <mc:Choice xmlns:p14="http://schemas.microsoft.com/office/powerpoint/2010/main" Requires="p14">
+  <mc:AlternateContent xmlns:mc="http://schemas.openxmlformats.org/markup-compatibility/2006" xmlns:p14="http://schemas.microsoft.com/office/powerpoint/2010/main">
+    <mc:Choice Requires="p14">
       <p:transition spd="med" p14:dur="700">
         <p:fade/>
       </p:transition>
     </mc:Choice>
-    <mc:Fallback>
-      <p:transition spd="med">
-        <p:fade/>
-      </p:transition>
-    </mc:Fallback>
-  </mc:AlternateContent>
-</p:sld>
-</file>
-
-<file path=ppt/slides/slide6.xml><?xml version="1.0" encoding="utf-8"?>
-<p:sld xmlns:a="http://schemas.openxmlformats.org/drawingml/2006/main" xmlns:r="http://schemas.openxmlformats.org/officeDocument/2006/relationships" xmlns:p="http://schemas.openxmlformats.org/presentationml/2006/main">
-  <p:cSld>
-    <p:spTree>
-      <p:nvGrpSpPr>
-        <p:cNvPr id="1" name=""/>
-        <p:cNvGrpSpPr/>
-        <p:nvPr/>
-      </p:nvGrpSpPr>
-      <p:grpSpPr>
-        <a:xfrm>
-          <a:off x="0" y="0"/>
-          <a:ext cx="0" cy="0"/>
-          <a:chOff x="0" y="0"/>
-          <a:chExt cx="0" cy="0"/>
-        </a:xfrm>
-      </p:grpSpPr>
-      <p:sp>
-        <p:nvSpPr>
-          <p:cNvPr id="2" name="Titre 1"/>
-          <p:cNvSpPr>
-            <a:spLocks noGrp="1"/>
-          </p:cNvSpPr>
-          <p:nvPr>
-            <p:ph type="title"/>
-          </p:nvPr>
-        </p:nvSpPr>
-        <p:spPr>
-          <a:xfrm>
-            <a:off x="3787103" y="1051264"/>
-            <a:ext cx="4280049" cy="1291587"/>
-          </a:xfrm>
-        </p:spPr>
-        <p:txBody>
-          <a:bodyPr/>
-          <a:lstStyle/>
-          <a:p>
-            <a:r>
-              <a:rPr lang="fr-FR" dirty="0"/>
-              <a:t>Expression du besoin</a:t>
-            </a:r>
-          </a:p>
-        </p:txBody>
-      </p:sp>
-    </p:spTree>
-    <p:extLst>
-      <p:ext uri="{BB962C8B-B14F-4D97-AF65-F5344CB8AC3E}">
-        <p14:creationId xmlns:p14="http://schemas.microsoft.com/office/powerpoint/2010/main" val="1498285151"/>
-      </p:ext>
-    </p:extLst>
-  </p:cSld>
-  <p:clrMapOvr>
-    <a:masterClrMapping/>
-  </p:clrMapOvr>
-  <mc:AlternateContent xmlns:mc="http://schemas.openxmlformats.org/markup-compatibility/2006">
-    <mc:Choice xmlns:p14="http://schemas.microsoft.com/office/powerpoint/2010/main" Requires="p14">
-      <p:transition spd="med" p14:dur="700">
-        <p:fade/>
-      </p:transition>
-    </mc:Choice>
-    <mc:Fallback>
+    <mc:Fallback xmlns="">
       <p:transition spd="med">
         <p:fade/>
       </p:transition>
@@ -6089,68 +6720,20 @@
       </p:grpSpPr>
       <p:sp>
         <p:nvSpPr>
-          <p:cNvPr id="3" name="Espace réservé du contenu 2"/>
-          <p:cNvSpPr>
-            <a:spLocks noGrp="1"/>
-          </p:cNvSpPr>
-          <p:nvPr>
-            <p:ph idx="1"/>
-          </p:nvPr>
-        </p:nvSpPr>
-        <p:spPr/>
-        <p:txBody>
-          <a:bodyPr/>
-          <a:lstStyle/>
-          <a:p>
-            <a:r>
-              <a:rPr lang="fr-FR" dirty="0"/>
-              <a:t> Cette solution répond à plusieurs besoins :</a:t>
-            </a:r>
-          </a:p>
-          <a:p>
-            <a:pPr lvl="1"/>
-            <a:r>
-              <a:rPr lang="fr-FR" dirty="0"/>
-              <a:t>Avoir un œil sur son environnement</a:t>
-            </a:r>
-          </a:p>
-          <a:p>
-            <a:pPr lvl="1"/>
-            <a:r>
-              <a:rPr lang="fr-FR" dirty="0"/>
-              <a:t>Savoir rapidement si une intrusion ou une alarme s’est déclenchée</a:t>
-            </a:r>
-          </a:p>
-          <a:p>
-            <a:pPr lvl="1"/>
-            <a:r>
-              <a:rPr lang="fr-FR" dirty="0"/>
-              <a:t>Reconnaître un comportement anormale dans son système</a:t>
-            </a:r>
-          </a:p>
-          <a:p>
-            <a:pPr lvl="1"/>
-            <a:endParaRPr lang="fr-FR" dirty="0"/>
-          </a:p>
-          <a:p>
-            <a:pPr marL="0" indent="0">
-              <a:buNone/>
-            </a:pPr>
-            <a:endParaRPr lang="fr-FR" dirty="0"/>
-          </a:p>
-        </p:txBody>
-      </p:sp>
-      <p:sp>
-        <p:nvSpPr>
-          <p:cNvPr id="4" name="Espace réservé du texte 3"/>
-          <p:cNvSpPr>
-            <a:spLocks noGrp="1"/>
-          </p:cNvSpPr>
-          <p:nvPr>
-            <p:ph type="body" sz="quarter" idx="13"/>
-          </p:nvPr>
-        </p:nvSpPr>
-        <p:spPr/>
+          <p:cNvPr id="2" name="Titre 1"/>
+          <p:cNvSpPr>
+            <a:spLocks noGrp="1"/>
+          </p:cNvSpPr>
+          <p:nvPr>
+            <p:ph type="title"/>
+          </p:nvPr>
+        </p:nvSpPr>
+        <p:spPr>
+          <a:xfrm>
+            <a:off x="3787103" y="1051264"/>
+            <a:ext cx="4280049" cy="1291587"/>
+          </a:xfrm>
+        </p:spPr>
         <p:txBody>
           <a:bodyPr/>
           <a:lstStyle/>
@@ -6165,20 +6748,20 @@
     </p:spTree>
     <p:extLst>
       <p:ext uri="{BB962C8B-B14F-4D97-AF65-F5344CB8AC3E}">
-        <p14:creationId xmlns:p14="http://schemas.microsoft.com/office/powerpoint/2010/main" val="873219517"/>
+        <p14:creationId xmlns:p14="http://schemas.microsoft.com/office/powerpoint/2010/main" val="1498285151"/>
       </p:ext>
     </p:extLst>
   </p:cSld>
   <p:clrMapOvr>
     <a:masterClrMapping/>
   </p:clrMapOvr>
-  <mc:AlternateContent xmlns:mc="http://schemas.openxmlformats.org/markup-compatibility/2006">
-    <mc:Choice xmlns:p14="http://schemas.microsoft.com/office/powerpoint/2010/main" Requires="p14">
+  <mc:AlternateContent xmlns:mc="http://schemas.openxmlformats.org/markup-compatibility/2006" xmlns:p14="http://schemas.microsoft.com/office/powerpoint/2010/main">
+    <mc:Choice Requires="p14">
       <p:transition spd="med" p14:dur="700">
         <p:fade/>
       </p:transition>
     </mc:Choice>
-    <mc:Fallback>
+    <mc:Fallback xmlns="">
       <p:transition spd="med">
         <p:fade/>
       </p:transition>
@@ -6206,27 +6789,75 @@
       </p:grpSpPr>
       <p:sp>
         <p:nvSpPr>
-          <p:cNvPr id="2" name="Titre 1"/>
-          <p:cNvSpPr>
-            <a:spLocks noGrp="1"/>
-          </p:cNvSpPr>
-          <p:nvPr>
-            <p:ph type="title"/>
-          </p:nvPr>
-        </p:nvSpPr>
-        <p:spPr>
-          <a:xfrm>
-            <a:off x="3787103" y="1051264"/>
-            <a:ext cx="4280049" cy="1291587"/>
-          </a:xfrm>
-        </p:spPr>
+          <p:cNvPr id="3" name="Espace réservé du contenu 2"/>
+          <p:cNvSpPr>
+            <a:spLocks noGrp="1"/>
+          </p:cNvSpPr>
+          <p:nvPr>
+            <p:ph idx="1"/>
+          </p:nvPr>
+        </p:nvSpPr>
+        <p:spPr/>
         <p:txBody>
           <a:bodyPr/>
           <a:lstStyle/>
           <a:p>
             <a:r>
               <a:rPr lang="fr-FR" dirty="0"/>
-              <a:t>Documentation technique</a:t>
+              <a:t> Cette solution répond à plusieurs besoins :</a:t>
+            </a:r>
+          </a:p>
+          <a:p>
+            <a:pPr lvl="1"/>
+            <a:r>
+              <a:rPr lang="fr-FR" dirty="0"/>
+              <a:t>Avoir un œil sur un environnement distant</a:t>
+            </a:r>
+          </a:p>
+          <a:p>
+            <a:pPr lvl="1"/>
+            <a:r>
+              <a:rPr lang="fr-FR" dirty="0"/>
+              <a:t>Savoir rapidement si une intrusion ou une alarme s’est déclenchée</a:t>
+            </a:r>
+          </a:p>
+          <a:p>
+            <a:pPr lvl="1"/>
+            <a:r>
+              <a:rPr lang="fr-FR" dirty="0"/>
+              <a:t>Reconnaître rapidement un comportement anormale en cas d’incendie</a:t>
+            </a:r>
+          </a:p>
+          <a:p>
+            <a:pPr lvl="1"/>
+            <a:endParaRPr lang="fr-FR" dirty="0"/>
+          </a:p>
+          <a:p>
+            <a:pPr marL="0" indent="0">
+              <a:buNone/>
+            </a:pPr>
+            <a:endParaRPr lang="fr-FR" dirty="0"/>
+          </a:p>
+        </p:txBody>
+      </p:sp>
+      <p:sp>
+        <p:nvSpPr>
+          <p:cNvPr id="4" name="Espace réservé du texte 3"/>
+          <p:cNvSpPr>
+            <a:spLocks noGrp="1"/>
+          </p:cNvSpPr>
+          <p:nvPr>
+            <p:ph type="body" sz="quarter" idx="13"/>
+          </p:nvPr>
+        </p:nvSpPr>
+        <p:spPr/>
+        <p:txBody>
+          <a:bodyPr/>
+          <a:lstStyle/>
+          <a:p>
+            <a:r>
+              <a:rPr lang="fr-FR" dirty="0"/>
+              <a:t>Expression du besoin</a:t>
             </a:r>
           </a:p>
         </p:txBody>
@@ -6234,20 +6865,20 @@
     </p:spTree>
     <p:extLst>
       <p:ext uri="{BB962C8B-B14F-4D97-AF65-F5344CB8AC3E}">
-        <p14:creationId xmlns:p14="http://schemas.microsoft.com/office/powerpoint/2010/main" val="1232039135"/>
+        <p14:creationId xmlns:p14="http://schemas.microsoft.com/office/powerpoint/2010/main" val="873219517"/>
       </p:ext>
     </p:extLst>
   </p:cSld>
   <p:clrMapOvr>
     <a:masterClrMapping/>
   </p:clrMapOvr>
-  <mc:AlternateContent xmlns:mc="http://schemas.openxmlformats.org/markup-compatibility/2006">
-    <mc:Choice xmlns:p14="http://schemas.microsoft.com/office/powerpoint/2010/main" Requires="p14">
+  <mc:AlternateContent xmlns:mc="http://schemas.openxmlformats.org/markup-compatibility/2006" xmlns:p14="http://schemas.microsoft.com/office/powerpoint/2010/main">
+    <mc:Choice Requires="p14">
       <p:transition spd="med" p14:dur="700">
         <p:fade/>
       </p:transition>
     </mc:Choice>
-    <mc:Fallback>
+    <mc:Fallback xmlns="">
       <p:transition spd="med">
         <p:fade/>
       </p:transition>
@@ -6275,61 +6906,91 @@
       </p:grpSpPr>
       <p:sp>
         <p:nvSpPr>
-          <p:cNvPr id="5" name="Espace réservé du texte 4"/>
-          <p:cNvSpPr>
-            <a:spLocks noGrp="1"/>
-          </p:cNvSpPr>
-          <p:nvPr>
-            <p:ph type="body" sz="quarter" idx="13"/>
-          </p:nvPr>
-        </p:nvSpPr>
-        <p:spPr/>
+          <p:cNvPr id="3" name="Espace réservé du contenu 2">
+            <a:extLst>
+              <a:ext uri="{FF2B5EF4-FFF2-40B4-BE49-F238E27FC236}">
+                <a16:creationId xmlns:a16="http://schemas.microsoft.com/office/drawing/2014/main" id="{5CBCBB9E-3059-4C8C-859A-636C7D4104A5}"/>
+              </a:ext>
+            </a:extLst>
+          </p:cNvPr>
+          <p:cNvSpPr>
+            <a:spLocks noGrp="1"/>
+          </p:cNvSpPr>
+          <p:nvPr>
+            <p:ph idx="1"/>
+          </p:nvPr>
+        </p:nvSpPr>
+        <p:spPr>
+          <a:xfrm>
+            <a:off x="562517" y="1119615"/>
+            <a:ext cx="7887629" cy="3399376"/>
+          </a:xfrm>
+        </p:spPr>
         <p:txBody>
           <a:bodyPr/>
           <a:lstStyle/>
           <a:p>
             <a:r>
               <a:rPr lang="fr-FR" dirty="0"/>
-              <a:t>Documentation Technique</a:t>
-            </a:r>
-          </a:p>
-        </p:txBody>
-      </p:sp>
-      <p:sp>
-        <p:nvSpPr>
-          <p:cNvPr id="7" name="Espace réservé du texte 6"/>
-          <p:cNvSpPr>
-            <a:spLocks noGrp="1"/>
-          </p:cNvSpPr>
-          <p:nvPr>
-            <p:ph type="body" sz="quarter" idx="16"/>
-          </p:nvPr>
-        </p:nvSpPr>
-        <p:spPr>
-          <a:xfrm>
-            <a:off x="611560" y="1105372"/>
-            <a:ext cx="5522540" cy="589563"/>
-          </a:xfrm>
-        </p:spPr>
-        <p:txBody>
-          <a:bodyPr>
-            <a:normAutofit/>
-          </a:bodyPr>
+              <a:t>Mise en situation (Dans une serre agricole)</a:t>
+            </a:r>
+          </a:p>
+          <a:p>
+            <a:pPr lvl="1"/>
+            <a:r>
+              <a:rPr lang="fr-FR" dirty="0"/>
+              <a:t>Capteur de température et d’humidité</a:t>
+            </a:r>
+          </a:p>
+          <a:p>
+            <a:pPr lvl="1"/>
+            <a:r>
+              <a:rPr lang="fr-FR" dirty="0"/>
+              <a:t>Capteur laser</a:t>
+            </a:r>
+          </a:p>
+          <a:p>
+            <a:pPr marL="0" indent="0">
+              <a:buNone/>
+            </a:pPr>
+            <a:endParaRPr lang="fr-FR" dirty="0"/>
+          </a:p>
+        </p:txBody>
+      </p:sp>
+      <p:sp>
+        <p:nvSpPr>
+          <p:cNvPr id="4" name="Espace réservé du texte 3">
+            <a:extLst>
+              <a:ext uri="{FF2B5EF4-FFF2-40B4-BE49-F238E27FC236}">
+                <a16:creationId xmlns:a16="http://schemas.microsoft.com/office/drawing/2014/main" id="{C0F192DC-C88F-446E-9A57-25D5C8C428AC}"/>
+              </a:ext>
+            </a:extLst>
+          </p:cNvPr>
+          <p:cNvSpPr>
+            <a:spLocks noGrp="1"/>
+          </p:cNvSpPr>
+          <p:nvPr>
+            <p:ph type="body" sz="quarter" idx="13"/>
+          </p:nvPr>
+        </p:nvSpPr>
+        <p:spPr/>
+        <p:txBody>
+          <a:bodyPr/>
           <a:lstStyle/>
           <a:p>
             <a:r>
               <a:rPr lang="fr-FR" dirty="0"/>
-              <a:t> Diagramme d’utilisation</a:t>
+              <a:t>Expression du besoin</a:t>
             </a:r>
           </a:p>
         </p:txBody>
       </p:sp>
       <p:pic>
         <p:nvPicPr>
-          <p:cNvPr id="4" name="Image 3">
+          <p:cNvPr id="8" name="Image 7">
             <a:extLst>
               <a:ext uri="{FF2B5EF4-FFF2-40B4-BE49-F238E27FC236}">
-                <a16:creationId xmlns:a16="http://schemas.microsoft.com/office/drawing/2014/main" id="{0467163B-5DA1-4E8A-93EC-6AA892978755}"/>
+                <a16:creationId xmlns:a16="http://schemas.microsoft.com/office/drawing/2014/main" id="{046E7CDD-D3B6-4944-A039-93EBC00C5338}"/>
               </a:ext>
             </a:extLst>
           </p:cNvPr>
@@ -6345,47 +7006,85 @@
           </a:stretch>
         </p:blipFill>
         <p:spPr>
-          <a:xfrm>
-            <a:off x="2839243" y="2112205"/>
-            <a:ext cx="3465513" cy="2672984"/>
+          <a:xfrm flipV="1">
+            <a:off x="3922643" y="4330448"/>
+            <a:ext cx="2073965" cy="188543"/>
           </a:xfrm>
           <a:prstGeom prst="rect">
             <a:avLst/>
           </a:prstGeom>
-          <a:ln>
-            <a:noFill/>
-          </a:ln>
-          <a:effectLst>
-            <a:outerShdw blurRad="190500" algn="tl" rotWithShape="0">
-              <a:srgbClr val="000000">
-                <a:alpha val="70000"/>
-              </a:srgbClr>
-            </a:outerShdw>
-          </a:effectLst>
+        </p:spPr>
+      </p:pic>
+      <p:pic>
+        <p:nvPicPr>
+          <p:cNvPr id="6" name="Image 5">
+            <a:extLst>
+              <a:ext uri="{FF2B5EF4-FFF2-40B4-BE49-F238E27FC236}">
+                <a16:creationId xmlns:a16="http://schemas.microsoft.com/office/drawing/2014/main" id="{3EB92374-2A5D-45EF-A049-65F73FBD2FCC}"/>
+              </a:ext>
+            </a:extLst>
+          </p:cNvPr>
+          <p:cNvPicPr>
+            <a:picLocks noChangeAspect="1"/>
+          </p:cNvPicPr>
+          <p:nvPr/>
+        </p:nvPicPr>
+        <p:blipFill>
+          <a:blip r:embed="rId3"/>
+          <a:stretch>
+            <a:fillRect/>
+          </a:stretch>
+        </p:blipFill>
+        <p:spPr>
+          <a:xfrm>
+            <a:off x="2666999" y="2133563"/>
+            <a:ext cx="5373757" cy="2873911"/>
+          </a:xfrm>
+          <a:prstGeom prst="rect">
+            <a:avLst/>
+          </a:prstGeom>
+        </p:spPr>
+      </p:pic>
+      <p:pic>
+        <p:nvPicPr>
+          <p:cNvPr id="10" name="Image 9">
+            <a:extLst>
+              <a:ext uri="{FF2B5EF4-FFF2-40B4-BE49-F238E27FC236}">
+                <a16:creationId xmlns:a16="http://schemas.microsoft.com/office/drawing/2014/main" id="{7ACCB28C-64A8-47BB-B841-B0ED22C8A514}"/>
+              </a:ext>
+            </a:extLst>
+          </p:cNvPr>
+          <p:cNvPicPr>
+            <a:picLocks noChangeAspect="1"/>
+          </p:cNvPicPr>
+          <p:nvPr/>
+        </p:nvPicPr>
+        <p:blipFill>
+          <a:blip r:embed="rId4"/>
+          <a:stretch>
+            <a:fillRect/>
+          </a:stretch>
+        </p:blipFill>
+        <p:spPr>
+          <a:xfrm>
+            <a:off x="6280701" y="2186608"/>
+            <a:ext cx="1051891" cy="1051891"/>
+          </a:xfrm>
+          <a:prstGeom prst="rect">
+            <a:avLst/>
+          </a:prstGeom>
         </p:spPr>
       </p:pic>
     </p:spTree>
     <p:extLst>
       <p:ext uri="{BB962C8B-B14F-4D97-AF65-F5344CB8AC3E}">
-        <p14:creationId xmlns:p14="http://schemas.microsoft.com/office/powerpoint/2010/main" val="3025825312"/>
+        <p14:creationId xmlns:p14="http://schemas.microsoft.com/office/powerpoint/2010/main" val="2571851835"/>
       </p:ext>
     </p:extLst>
   </p:cSld>
   <p:clrMapOvr>
     <a:masterClrMapping/>
   </p:clrMapOvr>
-  <mc:AlternateContent xmlns:mc="http://schemas.openxmlformats.org/markup-compatibility/2006">
-    <mc:Choice xmlns:p14="http://schemas.microsoft.com/office/powerpoint/2010/main" Requires="p14">
-      <p:transition spd="med" p14:dur="700">
-        <p:fade/>
-      </p:transition>
-    </mc:Choice>
-    <mc:Fallback>
-      <p:transition spd="med">
-        <p:fade/>
-      </p:transition>
-    </mc:Fallback>
-  </mc:AlternateContent>
 </p:sld>
 </file>
 
